--- a/images/theory_analysis/Kubernetes_Pod/Kubernetes_Pod.pptx
+++ b/images/theory_analysis/Kubernetes_Pod/Kubernetes_Pod.pptx
@@ -111,7 +111,7 @@
   </p:defaultTextStyle>
   <p:extLst>
     <p:ext uri="{EFAFB233-063F-42B5-8137-9DF3F51BA10A}">
-      <p15:sldGuideLst xmlns:p15="http://schemas.microsoft.com/office/powerpoint/2012/main" xmlns="">
+      <p15:sldGuideLst xmlns:p15="http://schemas.microsoft.com/office/powerpoint/2012/main">
         <p15:guide id="1" orient="horz" pos="2160">
           <p15:clr>
             <a:srgbClr val="A4A3A4"/>
@@ -970,8 +970,8 @@
         <a:p>
           <a:pPr latinLnBrk="1"/>
           <a:r>
-            <a:rPr lang="en-US" altLang="ko-KR" sz="1200" b="0" dirty="0" smtClean="0"/>
-            <a:t>Pod A Container</a:t>
+            <a:rPr lang="en-US" altLang="ko-KR" sz="1200" b="0"/>
+            <a:t>Pause Container A</a:t>
           </a:r>
           <a:endParaRPr lang="ko-KR" altLang="en-US" sz="1200" b="0" dirty="0"/>
         </a:p>
@@ -1010,7 +1010,7 @@
         <a:p>
           <a:pPr latinLnBrk="1"/>
           <a:r>
-            <a:rPr lang="en-US" altLang="ko-KR" sz="1200" dirty="0" smtClean="0"/>
+            <a:rPr lang="en-US" altLang="ko-KR" sz="1200" dirty="0"/>
             <a:t>App Container A</a:t>
           </a:r>
           <a:endParaRPr lang="ko-KR" altLang="en-US" sz="1200" dirty="0"/>
@@ -1050,7 +1050,7 @@
         <a:p>
           <a:pPr latinLnBrk="1"/>
           <a:r>
-            <a:rPr lang="en-US" altLang="ko-KR" sz="1200" dirty="0" smtClean="0"/>
+            <a:rPr lang="en-US" altLang="ko-KR" sz="1200" dirty="0"/>
             <a:t>App Container B</a:t>
           </a:r>
           <a:endParaRPr lang="ko-KR" altLang="en-US" sz="1200" dirty="0"/>
@@ -1090,7 +1090,7 @@
         <a:p>
           <a:pPr latinLnBrk="1"/>
           <a:r>
-            <a:rPr lang="en-US" altLang="ko-KR" sz="1200" dirty="0" err="1" smtClean="0"/>
+            <a:rPr lang="en-US" altLang="ko-KR" sz="1200" dirty="0" err="1"/>
             <a:t>kubepod</a:t>
           </a:r>
           <a:endParaRPr lang="ko-KR" altLang="en-US" sz="1200" dirty="0"/>
@@ -1130,7 +1130,7 @@
         <a:p>
           <a:pPr latinLnBrk="1"/>
           <a:r>
-            <a:rPr lang="en-US" altLang="ko-KR" sz="1200" dirty="0" smtClean="0"/>
+            <a:rPr lang="en-US" altLang="ko-KR" sz="1200" dirty="0"/>
             <a:t>Pod A</a:t>
           </a:r>
           <a:endParaRPr lang="ko-KR" altLang="en-US" sz="1200" dirty="0"/>
@@ -1170,7 +1170,7 @@
         <a:p>
           <a:pPr latinLnBrk="1"/>
           <a:r>
-            <a:rPr lang="en-US" altLang="ko-KR" sz="1200" dirty="0" smtClean="0"/>
+            <a:rPr lang="en-US" altLang="ko-KR" sz="1200" dirty="0"/>
             <a:t>Pod B</a:t>
           </a:r>
           <a:endParaRPr lang="ko-KR" altLang="en-US" sz="1200" dirty="0"/>
@@ -1216,8 +1216,8 @@
         <a:p>
           <a:pPr latinLnBrk="1"/>
           <a:r>
-            <a:rPr lang="en-US" altLang="ko-KR" sz="1200" b="0" dirty="0" smtClean="0"/>
-            <a:t>Pod B Container</a:t>
+            <a:rPr lang="en-US" altLang="ko-KR" sz="1200" b="0"/>
+            <a:t>Pause Container B</a:t>
           </a:r>
           <a:endParaRPr lang="ko-KR" altLang="en-US" sz="1200" b="0" dirty="0"/>
         </a:p>
@@ -1256,7 +1256,7 @@
         <a:p>
           <a:pPr latinLnBrk="1"/>
           <a:r>
-            <a:rPr lang="en-US" altLang="ko-KR" sz="1200" dirty="0" smtClean="0"/>
+            <a:rPr lang="en-US" altLang="ko-KR" sz="1200" dirty="0"/>
             <a:t>App Container C</a:t>
           </a:r>
           <a:endParaRPr lang="ko-KR" altLang="en-US" sz="1200" dirty="0"/>
@@ -1296,7 +1296,7 @@
         <a:p>
           <a:pPr latinLnBrk="1"/>
           <a:r>
-            <a:rPr lang="en-US" altLang="ko-KR" sz="1200" dirty="0" err="1" smtClean="0"/>
+            <a:rPr lang="en-US" altLang="ko-KR" sz="1200" dirty="0" err="1"/>
             <a:t>besteffort</a:t>
           </a:r>
           <a:endParaRPr lang="ko-KR" altLang="en-US" sz="1200" dirty="0"/>
@@ -1336,7 +1336,7 @@
         <a:p>
           <a:pPr latinLnBrk="1"/>
           <a:r>
-            <a:rPr lang="en-US" altLang="ko-KR" sz="1200" dirty="0" smtClean="0"/>
+            <a:rPr lang="en-US" altLang="ko-KR" sz="1200" dirty="0"/>
             <a:t>burstable</a:t>
           </a:r>
           <a:endParaRPr lang="ko-KR" altLang="en-US" sz="1200" dirty="0"/>
@@ -1376,7 +1376,7 @@
         <a:p>
           <a:pPr latinLnBrk="1"/>
           <a:r>
-            <a:rPr lang="en-US" altLang="ko-KR" sz="1200" dirty="0" smtClean="0"/>
+            <a:rPr lang="en-US" altLang="ko-KR" sz="1200" dirty="0"/>
             <a:t>…</a:t>
           </a:r>
           <a:endParaRPr lang="ko-KR" altLang="en-US" sz="1200" dirty="0"/>
@@ -1416,7 +1416,7 @@
         <a:p>
           <a:pPr latinLnBrk="1"/>
           <a:r>
-            <a:rPr lang="en-US" altLang="ko-KR" sz="1200" dirty="0" err="1" smtClean="0"/>
+            <a:rPr lang="en-US" altLang="ko-KR" sz="1200" dirty="0" err="1"/>
             <a:t>cpu</a:t>
           </a:r>
           <a:endParaRPr lang="ko-KR" altLang="en-US" sz="1200" dirty="0"/>
@@ -1456,7 +1456,7 @@
         <a:p>
           <a:pPr latinLnBrk="1"/>
           <a:r>
-            <a:rPr lang="en-US" altLang="ko-KR" sz="1200" dirty="0" smtClean="0"/>
+            <a:rPr lang="en-US" altLang="ko-KR" sz="1200" dirty="0"/>
             <a:t>Memory</a:t>
           </a:r>
           <a:endParaRPr lang="ko-KR" altLang="en-US" sz="1200" dirty="0"/>
@@ -1496,7 +1496,7 @@
         <a:p>
           <a:pPr latinLnBrk="1"/>
           <a:r>
-            <a:rPr lang="en-US" altLang="ko-KR" sz="1200" dirty="0" err="1" smtClean="0"/>
+            <a:rPr lang="en-US" altLang="ko-KR" sz="1200" dirty="0" err="1"/>
             <a:t>Kubepod</a:t>
           </a:r>
           <a:endParaRPr lang="ko-KR" altLang="en-US" sz="1200" dirty="0"/>
@@ -1536,7 +1536,7 @@
         <a:p>
           <a:pPr latinLnBrk="1"/>
           <a:r>
-            <a:rPr lang="en-US" altLang="ko-KR" sz="1200" dirty="0" smtClean="0"/>
+            <a:rPr lang="en-US" altLang="ko-KR" sz="1200" dirty="0"/>
             <a:t>…</a:t>
           </a:r>
           <a:endParaRPr lang="ko-KR" altLang="en-US" sz="1200" dirty="0"/>
@@ -1576,7 +1576,7 @@
         <a:p>
           <a:pPr latinLnBrk="1"/>
           <a:r>
-            <a:rPr lang="en-US" altLang="ko-KR" sz="1200" dirty="0" smtClean="0"/>
+            <a:rPr lang="en-US" altLang="ko-KR" sz="1200" dirty="0"/>
             <a:t>…</a:t>
           </a:r>
           <a:endParaRPr lang="ko-KR" altLang="en-US" sz="1200" dirty="0"/>
@@ -1616,7 +1616,7 @@
         <a:p>
           <a:pPr latinLnBrk="1"/>
           <a:r>
-            <a:rPr lang="en-US" altLang="ko-KR" sz="1200" dirty="0" smtClean="0"/>
+            <a:rPr lang="en-US" altLang="ko-KR" sz="1200" dirty="0"/>
             <a:t>Pod C</a:t>
           </a:r>
           <a:endParaRPr lang="ko-KR" altLang="en-US" sz="1200" dirty="0"/>
@@ -1656,7 +1656,7 @@
         <a:p>
           <a:pPr latinLnBrk="1"/>
           <a:r>
-            <a:rPr lang="en-US" altLang="ko-KR" sz="1200" dirty="0" smtClean="0"/>
+            <a:rPr lang="en-US" altLang="ko-KR" sz="1200" dirty="0"/>
             <a:t>…</a:t>
           </a:r>
           <a:endParaRPr lang="ko-KR" altLang="en-US" sz="1200" dirty="0"/>
@@ -1783,14 +1783,6 @@
         </dgm:presLayoutVars>
       </dgm:prSet>
       <dgm:spPr/>
-      <dgm:t>
-        <a:bodyPr/>
-        <a:lstStyle/>
-        <a:p>
-          <a:pPr latinLnBrk="1"/>
-          <a:endParaRPr lang="ko-KR" altLang="en-US"/>
-        </a:p>
-      </dgm:t>
     </dgm:pt>
     <dgm:pt modelId="{1AEB0758-4EE1-410C-8ADA-3BD84BF04776}" type="pres">
       <dgm:prSet presAssocID="{A545D177-5438-41F9-A461-F4A09C367708}" presName="rootConnector" presStyleLbl="node3" presStyleIdx="0" presStyleCnt="4"/>
@@ -1823,14 +1815,6 @@
         </dgm:presLayoutVars>
       </dgm:prSet>
       <dgm:spPr/>
-      <dgm:t>
-        <a:bodyPr/>
-        <a:lstStyle/>
-        <a:p>
-          <a:pPr latinLnBrk="1"/>
-          <a:endParaRPr lang="ko-KR" altLang="en-US"/>
-        </a:p>
-      </dgm:t>
     </dgm:pt>
     <dgm:pt modelId="{6650A991-E2FC-450C-959D-CF25D3A64D13}" type="pres">
       <dgm:prSet presAssocID="{F48A1D8A-4D62-4017-BC18-72FB4A2475C1}" presName="rootConnector" presStyleLbl="node4" presStyleIdx="0" presStyleCnt="9"/>
@@ -1863,14 +1847,6 @@
         </dgm:presLayoutVars>
       </dgm:prSet>
       <dgm:spPr/>
-      <dgm:t>
-        <a:bodyPr/>
-        <a:lstStyle/>
-        <a:p>
-          <a:pPr latinLnBrk="1"/>
-          <a:endParaRPr lang="ko-KR" altLang="en-US"/>
-        </a:p>
-      </dgm:t>
     </dgm:pt>
     <dgm:pt modelId="{37436511-24D4-4CBF-BBE1-98CFF86B99AF}" type="pres">
       <dgm:prSet presAssocID="{287193F9-480C-4F00-BBEE-EBA41FDC74E2}" presName="rootConnector" presStyleLbl="node4" presStyleIdx="1" presStyleCnt="9"/>
@@ -1907,14 +1883,6 @@
         </dgm:presLayoutVars>
       </dgm:prSet>
       <dgm:spPr/>
-      <dgm:t>
-        <a:bodyPr/>
-        <a:lstStyle/>
-        <a:p>
-          <a:pPr latinLnBrk="1"/>
-          <a:endParaRPr lang="ko-KR" altLang="en-US"/>
-        </a:p>
-      </dgm:t>
     </dgm:pt>
     <dgm:pt modelId="{754731D8-DC43-417D-A4B0-7C576DDD93F7}" type="pres">
       <dgm:prSet presAssocID="{9AFCD555-2F5A-485E-BFAC-55164004572E}" presName="rootConnector" presStyleLbl="node4" presStyleIdx="2" presStyleCnt="9"/>
@@ -1951,14 +1919,6 @@
         </dgm:presLayoutVars>
       </dgm:prSet>
       <dgm:spPr/>
-      <dgm:t>
-        <a:bodyPr/>
-        <a:lstStyle/>
-        <a:p>
-          <a:pPr latinLnBrk="1"/>
-          <a:endParaRPr lang="ko-KR" altLang="en-US"/>
-        </a:p>
-      </dgm:t>
     </dgm:pt>
     <dgm:pt modelId="{7CEC8EC1-2CF1-44DB-B2DF-49D6B960F631}" type="pres">
       <dgm:prSet presAssocID="{B50956E0-58E7-4032-A4B5-0DC76D449D87}" presName="rootConnector" presStyleLbl="node4" presStyleIdx="3" presStyleCnt="9"/>
@@ -1999,14 +1959,6 @@
         </dgm:presLayoutVars>
       </dgm:prSet>
       <dgm:spPr/>
-      <dgm:t>
-        <a:bodyPr/>
-        <a:lstStyle/>
-        <a:p>
-          <a:pPr latinLnBrk="1"/>
-          <a:endParaRPr lang="ko-KR" altLang="en-US"/>
-        </a:p>
-      </dgm:t>
     </dgm:pt>
     <dgm:pt modelId="{BDD36EA1-F0E1-477D-ADE8-37025BD771A6}" type="pres">
       <dgm:prSet presAssocID="{9F80DDE2-10CC-472C-88C6-0380F9147573}" presName="rootConnector" presStyleLbl="node4" presStyleIdx="4" presStyleCnt="9"/>
@@ -2039,14 +1991,6 @@
         </dgm:presLayoutVars>
       </dgm:prSet>
       <dgm:spPr/>
-      <dgm:t>
-        <a:bodyPr/>
-        <a:lstStyle/>
-        <a:p>
-          <a:pPr latinLnBrk="1"/>
-          <a:endParaRPr lang="ko-KR" altLang="en-US"/>
-        </a:p>
-      </dgm:t>
     </dgm:pt>
     <dgm:pt modelId="{7A472A2C-3FB9-43F8-8BE3-AAE190D7AEB7}" type="pres">
       <dgm:prSet presAssocID="{E6268814-7326-45C1-88BD-1ADEB64CB468}" presName="rootConnector" presStyleLbl="node4" presStyleIdx="5" presStyleCnt="9"/>
@@ -2083,14 +2027,6 @@
         </dgm:presLayoutVars>
       </dgm:prSet>
       <dgm:spPr/>
-      <dgm:t>
-        <a:bodyPr/>
-        <a:lstStyle/>
-        <a:p>
-          <a:pPr latinLnBrk="1"/>
-          <a:endParaRPr lang="ko-KR" altLang="en-US"/>
-        </a:p>
-      </dgm:t>
     </dgm:pt>
     <dgm:pt modelId="{974EB967-D2CD-4475-833D-DB92BCE54306}" type="pres">
       <dgm:prSet presAssocID="{5333C31B-0821-4D89-B371-1277951812F4}" presName="rootConnector" presStyleLbl="node4" presStyleIdx="6" presStyleCnt="9"/>
@@ -2135,14 +2071,6 @@
         </dgm:presLayoutVars>
       </dgm:prSet>
       <dgm:spPr/>
-      <dgm:t>
-        <a:bodyPr/>
-        <a:lstStyle/>
-        <a:p>
-          <a:pPr latinLnBrk="1"/>
-          <a:endParaRPr lang="ko-KR" altLang="en-US"/>
-        </a:p>
-      </dgm:t>
     </dgm:pt>
     <dgm:pt modelId="{9EB56A19-4C1E-423B-B687-BAF4F2EAB9C0}" type="pres">
       <dgm:prSet presAssocID="{09F425D5-435B-4167-BF97-03DFA0C573E6}" presName="rootConnector" presStyleLbl="node3" presStyleIdx="1" presStyleCnt="4"/>
@@ -2175,14 +2103,6 @@
         </dgm:presLayoutVars>
       </dgm:prSet>
       <dgm:spPr/>
-      <dgm:t>
-        <a:bodyPr/>
-        <a:lstStyle/>
-        <a:p>
-          <a:pPr latinLnBrk="1"/>
-          <a:endParaRPr lang="ko-KR" altLang="en-US"/>
-        </a:p>
-      </dgm:t>
     </dgm:pt>
     <dgm:pt modelId="{C5B66088-1156-4BDE-B72E-D01FB173E35E}" type="pres">
       <dgm:prSet presAssocID="{CB86F0B8-D163-461C-89AE-9E0CFA1D5FB9}" presName="rootConnector" presStyleLbl="node4" presStyleIdx="7" presStyleCnt="9"/>
@@ -2223,14 +2143,6 @@
         </dgm:presLayoutVars>
       </dgm:prSet>
       <dgm:spPr/>
-      <dgm:t>
-        <a:bodyPr/>
-        <a:lstStyle/>
-        <a:p>
-          <a:pPr latinLnBrk="1"/>
-          <a:endParaRPr lang="ko-KR" altLang="en-US"/>
-        </a:p>
-      </dgm:t>
     </dgm:pt>
     <dgm:pt modelId="{D18BF691-C7D2-4E8F-93A5-7A63AEB52813}" type="pres">
       <dgm:prSet presAssocID="{0CB4CEA5-3E3B-4CCD-9369-B5DECCD5D21B}" presName="rootConnector" presStyleLbl="node3" presStyleIdx="2" presStyleCnt="4"/>
@@ -2263,14 +2175,6 @@
         </dgm:presLayoutVars>
       </dgm:prSet>
       <dgm:spPr/>
-      <dgm:t>
-        <a:bodyPr/>
-        <a:lstStyle/>
-        <a:p>
-          <a:pPr latinLnBrk="1"/>
-          <a:endParaRPr lang="ko-KR" altLang="en-US"/>
-        </a:p>
-      </dgm:t>
     </dgm:pt>
     <dgm:pt modelId="{1766199F-DDBA-431D-A08D-5CEBD887FEB2}" type="pres">
       <dgm:prSet presAssocID="{7D7B3018-6875-4C61-9EBB-EDC4C8B53FBB}" presName="rootConnector" presStyleLbl="node4" presStyleIdx="8" presStyleCnt="9"/>
@@ -2347,14 +2251,6 @@
         </dgm:presLayoutVars>
       </dgm:prSet>
       <dgm:spPr/>
-      <dgm:t>
-        <a:bodyPr/>
-        <a:lstStyle/>
-        <a:p>
-          <a:pPr latinLnBrk="1"/>
-          <a:endParaRPr lang="ko-KR" altLang="en-US"/>
-        </a:p>
-      </dgm:t>
     </dgm:pt>
     <dgm:pt modelId="{90B5E0FF-0357-492F-B809-5983DFAF0A99}" type="pres">
       <dgm:prSet presAssocID="{27CD461D-FF90-47BE-9BC0-6CB00A25FDA8}" presName="rootConnector" presStyleLbl="node2" presStyleIdx="1" presStyleCnt="2"/>
@@ -2387,14 +2283,6 @@
         </dgm:presLayoutVars>
       </dgm:prSet>
       <dgm:spPr/>
-      <dgm:t>
-        <a:bodyPr/>
-        <a:lstStyle/>
-        <a:p>
-          <a:pPr latinLnBrk="1"/>
-          <a:endParaRPr lang="ko-KR" altLang="en-US"/>
-        </a:p>
-      </dgm:t>
     </dgm:pt>
     <dgm:pt modelId="{D568A405-01DD-46CA-ABA1-FCCEA7DFD087}" type="pres">
       <dgm:prSet presAssocID="{B7DA9E86-7FDF-4ABF-9A18-22981D2D8605}" presName="rootConnector" presStyleLbl="node3" presStyleIdx="3" presStyleCnt="4"/>
@@ -2450,76 +2338,76 @@
     </dgm:pt>
   </dgm:ptLst>
   <dgm:cxnLst>
-    <dgm:cxn modelId="{5738C19F-4E8F-4111-8F3A-AAE182207A4D}" type="presOf" srcId="{7DA17963-774A-4EBD-ADF2-5F25A6B95C12}" destId="{C55D8F95-ECC0-4335-B995-67ADDFE98104}" srcOrd="0" destOrd="0" presId="urn:microsoft.com/office/officeart/2009/3/layout/HorizontalOrganizationChart"/>
-    <dgm:cxn modelId="{16FE583F-AB88-4888-AB6C-4D38C6BEC4A4}" type="presOf" srcId="{9CB805C7-F6AC-48D9-BE20-650998BE96FD}" destId="{DABA1090-BEC5-4DBF-8EB5-73A852135157}" srcOrd="0" destOrd="0" presId="urn:microsoft.com/office/officeart/2009/3/layout/HorizontalOrganizationChart"/>
-    <dgm:cxn modelId="{B07B674A-19D5-41CB-B62D-CBC0D960D5D6}" type="presOf" srcId="{A545D177-5438-41F9-A461-F4A09C367708}" destId="{36E42F73-8217-4C21-A711-4535330EB031}" srcOrd="0" destOrd="0" presId="urn:microsoft.com/office/officeart/2009/3/layout/HorizontalOrganizationChart"/>
-    <dgm:cxn modelId="{29CD6AEC-7555-4E21-AB55-52FE3A15664E}" type="presOf" srcId="{B8565E5B-7780-4DE0-B5F6-B74F5BE3E1ED}" destId="{D6CBF852-4055-44AD-B71E-84A3B9DDDA28}" srcOrd="0" destOrd="0" presId="urn:microsoft.com/office/officeart/2009/3/layout/HorizontalOrganizationChart"/>
-    <dgm:cxn modelId="{E9CA769E-ACFE-4604-929B-2C10B811AC3C}" type="presOf" srcId="{5924B86B-3977-4100-B8D6-5EB89A5804CF}" destId="{5B4694C4-861F-4663-8C50-1B8B0E25758D}" srcOrd="0" destOrd="0" presId="urn:microsoft.com/office/officeart/2009/3/layout/HorizontalOrganizationChart"/>
-    <dgm:cxn modelId="{45169289-3795-4204-BF6A-2B4F3C06230F}" type="presOf" srcId="{CB86F0B8-D163-461C-89AE-9E0CFA1D5FB9}" destId="{07A2B7E6-7A5C-424B-82E5-27DA2D05B70B}" srcOrd="0" destOrd="0" presId="urn:microsoft.com/office/officeart/2009/3/layout/HorizontalOrganizationChart"/>
-    <dgm:cxn modelId="{50B394D3-29F9-4763-80D4-407689032AA0}" type="presOf" srcId="{F48A1D8A-4D62-4017-BC18-72FB4A2475C1}" destId="{6650A991-E2FC-450C-959D-CF25D3A64D13}" srcOrd="1" destOrd="0" presId="urn:microsoft.com/office/officeart/2009/3/layout/HorizontalOrganizationChart"/>
-    <dgm:cxn modelId="{CA65BEE7-762F-4392-A37C-A075163641AA}" srcId="{9F80DDE2-10CC-472C-88C6-0380F9147573}" destId="{E6268814-7326-45C1-88BD-1ADEB64CB468}" srcOrd="0" destOrd="0" parTransId="{78E99CFE-0C2A-40D8-BEAB-E6BF11EA4747}" sibTransId="{6D35614F-4E0B-4377-A742-A6D9499DCA17}"/>
-    <dgm:cxn modelId="{EC58CB5F-063F-4FCD-8050-F76139376681}" type="presOf" srcId="{7D7B3018-6875-4C61-9EBB-EDC4C8B53FBB}" destId="{1766199F-DDBA-431D-A08D-5CEBD887FEB2}" srcOrd="1" destOrd="0" presId="urn:microsoft.com/office/officeart/2009/3/layout/HorizontalOrganizationChart"/>
-    <dgm:cxn modelId="{D0B719F9-387B-45D9-B66E-1BE292D734A8}" type="presOf" srcId="{9F80DDE2-10CC-472C-88C6-0380F9147573}" destId="{BDD36EA1-F0E1-477D-ADE8-37025BD771A6}" srcOrd="1" destOrd="0" presId="urn:microsoft.com/office/officeart/2009/3/layout/HorizontalOrganizationChart"/>
-    <dgm:cxn modelId="{CA2E07A8-99D8-41E3-836B-3750D7B00A51}" srcId="{DF09FD71-1FF8-4720-946D-17F4E0E4FF5D}" destId="{0CB4CEA5-3E3B-4CCD-9369-B5DECCD5D21B}" srcOrd="2" destOrd="0" parTransId="{F4D4EF99-3E5E-4081-B4D7-69F0AA8C4A2D}" sibTransId="{79DCCA7C-F851-48B5-8490-582EC6988900}"/>
+    <dgm:cxn modelId="{10CAFC0E-478A-4993-9622-CFD97BF32A8F}" type="presOf" srcId="{A545D177-5438-41F9-A461-F4A09C367708}" destId="{1AEB0758-4EE1-410C-8ADA-3BD84BF04776}" srcOrd="1" destOrd="0" presId="urn:microsoft.com/office/officeart/2009/3/layout/HorizontalOrganizationChart"/>
+    <dgm:cxn modelId="{23FFAA10-4CEE-41F2-A480-58518DDB2DF8}" type="presOf" srcId="{DF09FD71-1FF8-4720-946D-17F4E0E4FF5D}" destId="{7F0A04BB-5BA1-42D0-81FB-7D399484DA8B}" srcOrd="1" destOrd="0" presId="urn:microsoft.com/office/officeart/2009/3/layout/HorizontalOrganizationChart"/>
+    <dgm:cxn modelId="{E1211913-6726-497E-912E-2E99F6ED7744}" type="presOf" srcId="{31044B85-A274-4CA4-9BDF-C7257D52F66C}" destId="{633A2F8C-6B4F-440A-BAEE-0A54616EA8B5}" srcOrd="0" destOrd="0" presId="urn:microsoft.com/office/officeart/2009/3/layout/HorizontalOrganizationChart"/>
+    <dgm:cxn modelId="{41A66013-B9E5-42EC-B3F3-D69AA13A22E9}" type="presOf" srcId="{72974464-95ED-4472-AD46-188130E7907A}" destId="{5F93F5DC-CE84-4291-BDF9-825C75B91F66}" srcOrd="1" destOrd="0" presId="urn:microsoft.com/office/officeart/2009/3/layout/HorizontalOrganizationChart"/>
     <dgm:cxn modelId="{1AA68414-40AF-4587-AD77-3D3097C83FC8}" type="presOf" srcId="{E6268814-7326-45C1-88BD-1ADEB64CB468}" destId="{7A472A2C-3FB9-43F8-8BE3-AAE190D7AEB7}" srcOrd="1" destOrd="0" presId="urn:microsoft.com/office/officeart/2009/3/layout/HorizontalOrganizationChart"/>
-    <dgm:cxn modelId="{10CAFC0E-478A-4993-9622-CFD97BF32A8F}" type="presOf" srcId="{A545D177-5438-41F9-A461-F4A09C367708}" destId="{1AEB0758-4EE1-410C-8ADA-3BD84BF04776}" srcOrd="1" destOrd="0" presId="urn:microsoft.com/office/officeart/2009/3/layout/HorizontalOrganizationChart"/>
-    <dgm:cxn modelId="{E1211913-6726-497E-912E-2E99F6ED7744}" type="presOf" srcId="{31044B85-A274-4CA4-9BDF-C7257D52F66C}" destId="{633A2F8C-6B4F-440A-BAEE-0A54616EA8B5}" srcOrd="0" destOrd="0" presId="urn:microsoft.com/office/officeart/2009/3/layout/HorizontalOrganizationChart"/>
-    <dgm:cxn modelId="{4138A3AB-3DBF-4D8D-84D7-566951F0E0C5}" type="presOf" srcId="{DF09FD71-1FF8-4720-946D-17F4E0E4FF5D}" destId="{790C68EE-DB9C-4929-B267-5D6A1543B614}" srcOrd="0" destOrd="0" presId="urn:microsoft.com/office/officeart/2009/3/layout/HorizontalOrganizationChart"/>
-    <dgm:cxn modelId="{9DC2C930-D451-49A5-87EC-99F47C01F538}" srcId="{0CB4CEA5-3E3B-4CCD-9369-B5DECCD5D21B}" destId="{7D7B3018-6875-4C61-9EBB-EDC4C8B53FBB}" srcOrd="0" destOrd="0" parTransId="{082AF9E3-3848-4749-95BB-D49667134CEB}" sibTransId="{B943E25C-0A7D-459D-835A-C07398890FD4}"/>
-    <dgm:cxn modelId="{08B9C3AF-B629-43F6-BCA1-C136A3D09477}" type="presOf" srcId="{9F80DDE2-10CC-472C-88C6-0380F9147573}" destId="{B718217B-476C-4604-B56B-EDA00A7C5906}" srcOrd="0" destOrd="0" presId="urn:microsoft.com/office/officeart/2009/3/layout/HorizontalOrganizationChart"/>
-    <dgm:cxn modelId="{AE3F6DE0-7DD3-4306-905F-4A4C9797BE02}" type="presOf" srcId="{F4D4EF99-3E5E-4081-B4D7-69F0AA8C4A2D}" destId="{2568631B-059F-4B8D-B02F-BF9C511A5F3A}" srcOrd="0" destOrd="0" presId="urn:microsoft.com/office/officeart/2009/3/layout/HorizontalOrganizationChart"/>
-    <dgm:cxn modelId="{8E2F15E9-E0B7-4F6F-958D-69C60D5E8698}" type="presOf" srcId="{33A138E3-CC1D-4D4D-A7C4-E4779C074517}" destId="{FEB2714F-2F6E-4062-ACEB-2793B697164D}" srcOrd="0" destOrd="0" presId="urn:microsoft.com/office/officeart/2009/3/layout/HorizontalOrganizationChart"/>
     <dgm:cxn modelId="{FB7C1718-96E9-44B7-9AAB-8517781762CB}" type="presOf" srcId="{7D7B3018-6875-4C61-9EBB-EDC4C8B53FBB}" destId="{535A5F98-41FF-4C34-B2E6-6DA7FBAEA057}" srcOrd="0" destOrd="0" presId="urn:microsoft.com/office/officeart/2009/3/layout/HorizontalOrganizationChart"/>
-    <dgm:cxn modelId="{772013F7-226E-400F-8CF6-B02C502EBC44}" srcId="{A545D177-5438-41F9-A461-F4A09C367708}" destId="{9F80DDE2-10CC-472C-88C6-0380F9147573}" srcOrd="1" destOrd="0" parTransId="{69172A8D-65C6-464C-B62E-ED801B209808}" sibTransId="{2A058EC0-C4E8-4C27-8ECC-A4069DC12EA4}"/>
-    <dgm:cxn modelId="{67DB5E3C-0CC8-4D19-BB18-D2B6DCA1D8E6}" type="presOf" srcId="{27CD461D-FF90-47BE-9BC0-6CB00A25FDA8}" destId="{AF873620-1EDA-4171-BF1E-4B46E691FD83}" srcOrd="0" destOrd="0" presId="urn:microsoft.com/office/officeart/2009/3/layout/HorizontalOrganizationChart"/>
-    <dgm:cxn modelId="{B56ACDB1-C324-4358-B5BC-8E3CD26D5243}" type="presOf" srcId="{E465D322-9184-459F-87EC-247A36A67F7A}" destId="{48ECACEE-6978-4814-9A5E-BC0C800C1F5D}" srcOrd="0" destOrd="0" presId="urn:microsoft.com/office/officeart/2009/3/layout/HorizontalOrganizationChart"/>
-    <dgm:cxn modelId="{57F996D3-8531-463E-9D28-9AE19DEFCEBA}" type="presOf" srcId="{69172A8D-65C6-464C-B62E-ED801B209808}" destId="{D687B124-023A-4926-B9CF-21DBE3C4C62E}" srcOrd="0" destOrd="0" presId="urn:microsoft.com/office/officeart/2009/3/layout/HorizontalOrganizationChart"/>
-    <dgm:cxn modelId="{59A911DF-4377-4831-BCD9-CF05622955A0}" srcId="{72974464-95ED-4472-AD46-188130E7907A}" destId="{DF09FD71-1FF8-4720-946D-17F4E0E4FF5D}" srcOrd="0" destOrd="0" parTransId="{33A138E3-CC1D-4D4D-A7C4-E4779C074517}" sibTransId="{0001E07D-A685-4D51-ABA1-2E6FE5D7D167}"/>
     <dgm:cxn modelId="{D657B51A-DFFC-4F39-A4D7-79D3389A33A3}" type="presOf" srcId="{09F425D5-435B-4167-BF97-03DFA0C573E6}" destId="{9EB56A19-4C1E-423B-B687-BAF4F2EAB9C0}" srcOrd="1" destOrd="0" presId="urn:microsoft.com/office/officeart/2009/3/layout/HorizontalOrganizationChart"/>
-    <dgm:cxn modelId="{6F331B62-C571-4739-8A2A-7409F7BCA4A5}" srcId="{9F80DDE2-10CC-472C-88C6-0380F9147573}" destId="{5333C31B-0821-4D89-B371-1277951812F4}" srcOrd="1" destOrd="0" parTransId="{56E01F2E-9287-4B1E-9943-FAC68FF3757A}" sibTransId="{6F383438-AF54-4501-8775-F131D486F4FF}"/>
-    <dgm:cxn modelId="{607DCB52-C52C-4FA8-B685-A31D5988F9D8}" type="presOf" srcId="{72974464-95ED-4472-AD46-188130E7907A}" destId="{AB665E32-76A2-4013-B1F3-B62968F525EF}" srcOrd="0" destOrd="0" presId="urn:microsoft.com/office/officeart/2009/3/layout/HorizontalOrganizationChart"/>
-    <dgm:cxn modelId="{039D53E7-9558-498D-81B0-FDD9AFEFB541}" type="presOf" srcId="{9AFCD555-2F5A-485E-BFAC-55164004572E}" destId="{B93E1811-E7A4-40DE-8B82-D7600D1EC853}" srcOrd="0" destOrd="0" presId="urn:microsoft.com/office/officeart/2009/3/layout/HorizontalOrganizationChart"/>
-    <dgm:cxn modelId="{EBE468BD-5A4F-499D-9CE7-C8A0C6125446}" type="presOf" srcId="{287193F9-480C-4F00-BBEE-EBA41FDC74E2}" destId="{37436511-24D4-4CBF-BBE1-98CFF86B99AF}" srcOrd="1" destOrd="0" presId="urn:microsoft.com/office/officeart/2009/3/layout/HorizontalOrganizationChart"/>
-    <dgm:cxn modelId="{42BDCFB9-CC0C-40BA-B4B3-7B364317D6F9}" type="presOf" srcId="{B7DA9E86-7FDF-4ABF-9A18-22981D2D8605}" destId="{70D45C6F-80A8-4C1F-ADBF-5AA2D33DA810}" srcOrd="0" destOrd="0" presId="urn:microsoft.com/office/officeart/2009/3/layout/HorizontalOrganizationChart"/>
-    <dgm:cxn modelId="{AA16CDB8-BDB1-449E-8811-D79633872C22}" srcId="{DF09FD71-1FF8-4720-946D-17F4E0E4FF5D}" destId="{09F425D5-435B-4167-BF97-03DFA0C573E6}" srcOrd="1" destOrd="0" parTransId="{C7EACD6E-C009-462B-9CBF-D90224828612}" sibTransId="{9F7EB042-5E61-44B0-BCE4-5002132DC28B}"/>
-    <dgm:cxn modelId="{6D9CB8C0-BD55-4226-BD93-99C3909E9DFA}" type="presOf" srcId="{9CB805C7-F6AC-48D9-BE20-650998BE96FD}" destId="{66670FCD-2A39-468F-9670-25A301D3EE57}" srcOrd="1" destOrd="0" presId="urn:microsoft.com/office/officeart/2009/3/layout/HorizontalOrganizationChart"/>
-    <dgm:cxn modelId="{1915ACA0-F04D-403D-98BB-CAE8EF9BD57D}" type="presOf" srcId="{5333C31B-0821-4D89-B371-1277951812F4}" destId="{5F749B32-AAE9-4DE7-9A6D-C193C2CD9982}" srcOrd="0" destOrd="0" presId="urn:microsoft.com/office/officeart/2009/3/layout/HorizontalOrganizationChart"/>
-    <dgm:cxn modelId="{97AC5263-7D46-4AAF-8426-7877DAF93E6F}" type="presOf" srcId="{B50956E0-58E7-4032-A4B5-0DC76D449D87}" destId="{7CEC8EC1-2CF1-44DB-B2DF-49D6B960F631}" srcOrd="1" destOrd="0" presId="urn:microsoft.com/office/officeart/2009/3/layout/HorizontalOrganizationChart"/>
-    <dgm:cxn modelId="{71A72FBF-9A90-42FB-82D0-A269AA8711D2}" srcId="{09F425D5-435B-4167-BF97-03DFA0C573E6}" destId="{CB86F0B8-D163-461C-89AE-9E0CFA1D5FB9}" srcOrd="0" destOrd="0" parTransId="{E465D322-9184-459F-87EC-247A36A67F7A}" sibTransId="{4CE559D1-590F-41A7-AA41-DBC696C96FB9}"/>
-    <dgm:cxn modelId="{6A6D9355-90F9-4875-B6D4-1F966CAC1885}" type="presOf" srcId="{78E99CFE-0C2A-40D8-BEAB-E6BF11EA4747}" destId="{5630D338-F890-468F-BD28-2ABE3B36F5E6}" srcOrd="0" destOrd="0" presId="urn:microsoft.com/office/officeart/2009/3/layout/HorizontalOrganizationChart"/>
-    <dgm:cxn modelId="{62546036-CD2E-45B4-8B27-AEDE8807498B}" type="presOf" srcId="{22B35556-7299-44E6-9052-71EC9AA4C4A1}" destId="{378E6CDA-15E6-4A39-B42D-CF9A4C87E9CB}" srcOrd="0" destOrd="0" presId="urn:microsoft.com/office/officeart/2009/3/layout/HorizontalOrganizationChart"/>
-    <dgm:cxn modelId="{73A2766D-1119-4AA3-912D-1EE93E57D6E9}" type="presOf" srcId="{56E01F2E-9287-4B1E-9943-FAC68FF3757A}" destId="{E8592721-762C-47AC-AFF7-4280AD69A9D5}" srcOrd="0" destOrd="0" presId="urn:microsoft.com/office/officeart/2009/3/layout/HorizontalOrganizationChart"/>
-    <dgm:cxn modelId="{C61CFEF3-F125-4015-A527-22C59D61F9F4}" type="presOf" srcId="{0CB4CEA5-3E3B-4CCD-9369-B5DECCD5D21B}" destId="{52AA2D60-9D52-4238-9DE3-E28AB6E2F30E}" srcOrd="0" destOrd="0" presId="urn:microsoft.com/office/officeart/2009/3/layout/HorizontalOrganizationChart"/>
-    <dgm:cxn modelId="{A04A7FEA-8B9C-4D91-A827-C0247C0B0077}" type="presOf" srcId="{C7EACD6E-C009-462B-9CBF-D90224828612}" destId="{E51F6781-BF87-4A9C-9AB4-2ABCBCFA4AB5}" srcOrd="0" destOrd="0" presId="urn:microsoft.com/office/officeart/2009/3/layout/HorizontalOrganizationChart"/>
-    <dgm:cxn modelId="{E76CB292-BE15-4DDB-B4C9-7DDDDDCB1553}" type="presOf" srcId="{B7DA9E86-7FDF-4ABF-9A18-22981D2D8605}" destId="{D568A405-01DD-46CA-ABA1-FCCEA7DFD087}" srcOrd="1" destOrd="0" presId="urn:microsoft.com/office/officeart/2009/3/layout/HorizontalOrganizationChart"/>
-    <dgm:cxn modelId="{90EB918D-11DB-48A5-AFB9-B61EA315BDE0}" type="presOf" srcId="{09F425D5-435B-4167-BF97-03DFA0C573E6}" destId="{D2CE64B5-8A18-4CA4-BA76-0F408B00D044}" srcOrd="0" destOrd="0" presId="urn:microsoft.com/office/officeart/2009/3/layout/HorizontalOrganizationChart"/>
-    <dgm:cxn modelId="{B68ACE78-2407-47F2-8998-6C15E2E8EF9D}" type="presOf" srcId="{A73B693B-D3AC-45BB-A03C-93F38EA1029F}" destId="{C5B9108D-3542-4461-9500-3111D189F2DC}" srcOrd="0" destOrd="0" presId="urn:microsoft.com/office/officeart/2009/3/layout/HorizontalOrganizationChart"/>
-    <dgm:cxn modelId="{4E56DDF9-BAB8-4EF5-81CD-9BDF979371B4}" type="presOf" srcId="{D51CA669-F1C0-4842-ABCA-F53402164947}" destId="{9F422D31-9E2E-4DC1-98A9-C9EED6D61FA1}" srcOrd="0" destOrd="0" presId="urn:microsoft.com/office/officeart/2009/3/layout/HorizontalOrganizationChart"/>
-    <dgm:cxn modelId="{4B2E5F83-6603-4D07-A641-D53A4BB2656D}" type="presOf" srcId="{A73B693B-D3AC-45BB-A03C-93F38EA1029F}" destId="{E3E42E3B-7DE6-4461-9412-E83D39EA5F04}" srcOrd="1" destOrd="0" presId="urn:microsoft.com/office/officeart/2009/3/layout/HorizontalOrganizationChart"/>
-    <dgm:cxn modelId="{C04FA994-79CA-4078-B001-8CBC97A71C08}" type="presOf" srcId="{27CD461D-FF90-47BE-9BC0-6CB00A25FDA8}" destId="{90B5E0FF-0357-492F-B809-5983DFAF0A99}" srcOrd="1" destOrd="0" presId="urn:microsoft.com/office/officeart/2009/3/layout/HorizontalOrganizationChart"/>
-    <dgm:cxn modelId="{1FC43DBD-BC2B-4ABB-8FB1-A6F6281E8AA9}" srcId="{DF09FD71-1FF8-4720-946D-17F4E0E4FF5D}" destId="{A545D177-5438-41F9-A461-F4A09C367708}" srcOrd="0" destOrd="0" parTransId="{B8565E5B-7780-4DE0-B5F6-B74F5BE3E1ED}" sibTransId="{C65E2B3E-AF1A-4833-8B7C-AB49D629970B}"/>
-    <dgm:cxn modelId="{EE429A53-64BE-4A5C-A4C0-6B7B19115313}" type="presOf" srcId="{CB86F0B8-D163-461C-89AE-9E0CFA1D5FB9}" destId="{C5B66088-1156-4BDE-B72E-D01FB173E35E}" srcOrd="1" destOrd="0" presId="urn:microsoft.com/office/officeart/2009/3/layout/HorizontalOrganizationChart"/>
-    <dgm:cxn modelId="{538B1989-FA4D-44A3-9ED1-3A49A29E886C}" type="presOf" srcId="{B50956E0-58E7-4032-A4B5-0DC76D449D87}" destId="{4DD63180-BCF2-4A61-8E69-A168B178F1AB}" srcOrd="0" destOrd="0" presId="urn:microsoft.com/office/officeart/2009/3/layout/HorizontalOrganizationChart"/>
-    <dgm:cxn modelId="{DBDD3545-6907-4206-9270-156543A4FF31}" type="presOf" srcId="{9AFCD555-2F5A-485E-BFAC-55164004572E}" destId="{754731D8-DC43-417D-A4B0-7C576DDD93F7}" srcOrd="1" destOrd="0" presId="urn:microsoft.com/office/officeart/2009/3/layout/HorizontalOrganizationChart"/>
-    <dgm:cxn modelId="{37EE1886-C6E6-4BC2-B4F9-86CA332BE5A1}" srcId="{A545D177-5438-41F9-A461-F4A09C367708}" destId="{F48A1D8A-4D62-4017-BC18-72FB4A2475C1}" srcOrd="0" destOrd="0" parTransId="{7DA17963-774A-4EBD-ADF2-5F25A6B95C12}" sibTransId="{742D5D47-F982-421F-B783-07FDF7195D3E}"/>
-    <dgm:cxn modelId="{8308449C-ADFE-48BB-97DF-B2572B71FD56}" type="presOf" srcId="{F48A1D8A-4D62-4017-BC18-72FB4A2475C1}" destId="{661CCA2E-B3E2-4B3E-9660-0D6B79673B97}" srcOrd="0" destOrd="0" presId="urn:microsoft.com/office/officeart/2009/3/layout/HorizontalOrganizationChart"/>
-    <dgm:cxn modelId="{23FFAA10-4CEE-41F2-A480-58518DDB2DF8}" type="presOf" srcId="{DF09FD71-1FF8-4720-946D-17F4E0E4FF5D}" destId="{7F0A04BB-5BA1-42D0-81FB-7D399484DA8B}" srcOrd="1" destOrd="0" presId="urn:microsoft.com/office/officeart/2009/3/layout/HorizontalOrganizationChart"/>
-    <dgm:cxn modelId="{6A0BB8A5-4443-4E81-B7F5-3C27769DBFE0}" type="presOf" srcId="{E6268814-7326-45C1-88BD-1ADEB64CB468}" destId="{04CBEC04-8E5B-4A1E-882B-C0093947FD53}" srcOrd="0" destOrd="0" presId="urn:microsoft.com/office/officeart/2009/3/layout/HorizontalOrganizationChart"/>
-    <dgm:cxn modelId="{41A66013-B9E5-42EC-B3F3-D69AA13A22E9}" type="presOf" srcId="{72974464-95ED-4472-AD46-188130E7907A}" destId="{5F93F5DC-CE84-4291-BDF9-825C75B91F66}" srcOrd="1" destOrd="0" presId="urn:microsoft.com/office/officeart/2009/3/layout/HorizontalOrganizationChart"/>
-    <dgm:cxn modelId="{73F5538C-3BCA-4F59-BEBB-D86E56136357}" srcId="{27CD461D-FF90-47BE-9BC0-6CB00A25FDA8}" destId="{B7DA9E86-7FDF-4ABF-9A18-22981D2D8605}" srcOrd="0" destOrd="0" parTransId="{D51CA669-F1C0-4842-ABCA-F53402164947}" sibTransId="{2F20A861-DC23-476B-9F06-DCE19A897DD5}"/>
     <dgm:cxn modelId="{3BDB1D20-30FE-43E8-AB80-AD0F19811D22}" srcId="{31044B85-A274-4CA4-9BDF-C7257D52F66C}" destId="{72974464-95ED-4472-AD46-188130E7907A}" srcOrd="0" destOrd="0" parTransId="{6063C772-806F-4542-B3AB-5EFBAEA8AF20}" sibTransId="{B4F0C7F2-EC91-4317-BE07-633D6EBA4D46}"/>
-    <dgm:cxn modelId="{6D38E4F0-9B48-4239-8163-CF15871FD92D}" srcId="{F48A1D8A-4D62-4017-BC18-72FB4A2475C1}" destId="{287193F9-480C-4F00-BBEE-EBA41FDC74E2}" srcOrd="0" destOrd="0" parTransId="{5924B86B-3977-4100-B8D6-5EB89A5804CF}" sibTransId="{B86CF3E1-2025-4D5C-A07D-4D77ABA4EB3E}"/>
-    <dgm:cxn modelId="{7AE66EBD-7694-4B64-A5C1-04DC8D4E2F4D}" srcId="{31044B85-A274-4CA4-9BDF-C7257D52F66C}" destId="{9CB805C7-F6AC-48D9-BE20-650998BE96FD}" srcOrd="1" destOrd="0" parTransId="{27A2FD21-6D03-4F93-AD90-C5243D59E9E4}" sibTransId="{68858497-F7D3-45A1-8F58-A353D65F4545}"/>
-    <dgm:cxn modelId="{B64FC295-C75F-46E4-BA2A-8C258F0E3A12}" srcId="{F48A1D8A-4D62-4017-BC18-72FB4A2475C1}" destId="{9AFCD555-2F5A-485E-BFAC-55164004572E}" srcOrd="1" destOrd="0" parTransId="{3C8E8D84-CC55-4B61-9668-2F62D93BE917}" sibTransId="{454D2FA5-3780-4ADF-9EB2-993916AD7728}"/>
-    <dgm:cxn modelId="{22B28693-FE55-44C4-A745-7DAD0E1780B7}" srcId="{31044B85-A274-4CA4-9BDF-C7257D52F66C}" destId="{A73B693B-D3AC-45BB-A03C-93F38EA1029F}" srcOrd="2" destOrd="0" parTransId="{68E6ADBD-C5A0-49B1-A803-0098747F08C2}" sibTransId="{5DCF152F-4640-4A30-8AA0-E9C3811F0BCD}"/>
-    <dgm:cxn modelId="{2B7D6343-28D2-4DE5-971F-504A8B7C14C1}" type="presOf" srcId="{5333C31B-0821-4D89-B371-1277951812F4}" destId="{974EB967-D2CD-4475-833D-DB92BCE54306}" srcOrd="1" destOrd="0" presId="urn:microsoft.com/office/officeart/2009/3/layout/HorizontalOrganizationChart"/>
-    <dgm:cxn modelId="{FBF2F58B-11D1-4A73-BA6D-F322239209BB}" type="presOf" srcId="{F0722A02-5A37-4362-8B41-3D8DBEABF33A}" destId="{915AD98F-39D4-4A0A-8E79-51C31FF56F86}" srcOrd="0" destOrd="0" presId="urn:microsoft.com/office/officeart/2009/3/layout/HorizontalOrganizationChart"/>
-    <dgm:cxn modelId="{9A70F99A-5153-4DA9-88B9-D63C4D7B6F4F}" srcId="{F48A1D8A-4D62-4017-BC18-72FB4A2475C1}" destId="{B50956E0-58E7-4032-A4B5-0DC76D449D87}" srcOrd="2" destOrd="0" parTransId="{22B35556-7299-44E6-9052-71EC9AA4C4A1}" sibTransId="{DDBCE9F6-4C62-476F-9865-418A97A11776}"/>
-    <dgm:cxn modelId="{0D00C07E-B334-42DF-AD77-ABE9636773DE}" type="presOf" srcId="{0CB4CEA5-3E3B-4CCD-9369-B5DECCD5D21B}" destId="{D18BF691-C7D2-4E8F-93A5-7A63AEB52813}" srcOrd="1" destOrd="0" presId="urn:microsoft.com/office/officeart/2009/3/layout/HorizontalOrganizationChart"/>
     <dgm:cxn modelId="{89A99227-40E3-4D16-A464-C5F838AD4355}" type="presOf" srcId="{3C8E8D84-CC55-4B61-9668-2F62D93BE917}" destId="{C8210024-5650-46BC-B37F-956F14F49957}" srcOrd="0" destOrd="0" presId="urn:microsoft.com/office/officeart/2009/3/layout/HorizontalOrganizationChart"/>
     <dgm:cxn modelId="{F182CC2B-B53A-423A-995B-B86AD6753CC4}" type="presOf" srcId="{082AF9E3-3848-4749-95BB-D49667134CEB}" destId="{6A3D18E0-1FE9-4559-8D30-CA0C164A1EF3}" srcOrd="0" destOrd="0" presId="urn:microsoft.com/office/officeart/2009/3/layout/HorizontalOrganizationChart"/>
+    <dgm:cxn modelId="{9DC2C930-D451-49A5-87EC-99F47C01F538}" srcId="{0CB4CEA5-3E3B-4CCD-9369-B5DECCD5D21B}" destId="{7D7B3018-6875-4C61-9EBB-EDC4C8B53FBB}" srcOrd="0" destOrd="0" parTransId="{082AF9E3-3848-4749-95BB-D49667134CEB}" sibTransId="{B943E25C-0A7D-459D-835A-C07398890FD4}"/>
+    <dgm:cxn modelId="{62546036-CD2E-45B4-8B27-AEDE8807498B}" type="presOf" srcId="{22B35556-7299-44E6-9052-71EC9AA4C4A1}" destId="{378E6CDA-15E6-4A39-B42D-CF9A4C87E9CB}" srcOrd="0" destOrd="0" presId="urn:microsoft.com/office/officeart/2009/3/layout/HorizontalOrganizationChart"/>
+    <dgm:cxn modelId="{67DB5E3C-0CC8-4D19-BB18-D2B6DCA1D8E6}" type="presOf" srcId="{27CD461D-FF90-47BE-9BC0-6CB00A25FDA8}" destId="{AF873620-1EDA-4171-BF1E-4B46E691FD83}" srcOrd="0" destOrd="0" presId="urn:microsoft.com/office/officeart/2009/3/layout/HorizontalOrganizationChart"/>
+    <dgm:cxn modelId="{16FE583F-AB88-4888-AB6C-4D38C6BEC4A4}" type="presOf" srcId="{9CB805C7-F6AC-48D9-BE20-650998BE96FD}" destId="{DABA1090-BEC5-4DBF-8EB5-73A852135157}" srcOrd="0" destOrd="0" presId="urn:microsoft.com/office/officeart/2009/3/layout/HorizontalOrganizationChart"/>
+    <dgm:cxn modelId="{EC58CB5F-063F-4FCD-8050-F76139376681}" type="presOf" srcId="{7D7B3018-6875-4C61-9EBB-EDC4C8B53FBB}" destId="{1766199F-DDBA-431D-A08D-5CEBD887FEB2}" srcOrd="1" destOrd="0" presId="urn:microsoft.com/office/officeart/2009/3/layout/HorizontalOrganizationChart"/>
+    <dgm:cxn modelId="{6F331B62-C571-4739-8A2A-7409F7BCA4A5}" srcId="{9F80DDE2-10CC-472C-88C6-0380F9147573}" destId="{5333C31B-0821-4D89-B371-1277951812F4}" srcOrd="1" destOrd="0" parTransId="{56E01F2E-9287-4B1E-9943-FAC68FF3757A}" sibTransId="{6F383438-AF54-4501-8775-F131D486F4FF}"/>
+    <dgm:cxn modelId="{2B7D6343-28D2-4DE5-971F-504A8B7C14C1}" type="presOf" srcId="{5333C31B-0821-4D89-B371-1277951812F4}" destId="{974EB967-D2CD-4475-833D-DB92BCE54306}" srcOrd="1" destOrd="0" presId="urn:microsoft.com/office/officeart/2009/3/layout/HorizontalOrganizationChart"/>
+    <dgm:cxn modelId="{97AC5263-7D46-4AAF-8426-7877DAF93E6F}" type="presOf" srcId="{B50956E0-58E7-4032-A4B5-0DC76D449D87}" destId="{7CEC8EC1-2CF1-44DB-B2DF-49D6B960F631}" srcOrd="1" destOrd="0" presId="urn:microsoft.com/office/officeart/2009/3/layout/HorizontalOrganizationChart"/>
+    <dgm:cxn modelId="{DBDD3545-6907-4206-9270-156543A4FF31}" type="presOf" srcId="{9AFCD555-2F5A-485E-BFAC-55164004572E}" destId="{754731D8-DC43-417D-A4B0-7C576DDD93F7}" srcOrd="1" destOrd="0" presId="urn:microsoft.com/office/officeart/2009/3/layout/HorizontalOrganizationChart"/>
+    <dgm:cxn modelId="{B07B674A-19D5-41CB-B62D-CBC0D960D5D6}" type="presOf" srcId="{A545D177-5438-41F9-A461-F4A09C367708}" destId="{36E42F73-8217-4C21-A711-4535330EB031}" srcOrd="0" destOrd="0" presId="urn:microsoft.com/office/officeart/2009/3/layout/HorizontalOrganizationChart"/>
+    <dgm:cxn modelId="{73A2766D-1119-4AA3-912D-1EE93E57D6E9}" type="presOf" srcId="{56E01F2E-9287-4B1E-9943-FAC68FF3757A}" destId="{E8592721-762C-47AC-AFF7-4280AD69A9D5}" srcOrd="0" destOrd="0" presId="urn:microsoft.com/office/officeart/2009/3/layout/HorizontalOrganizationChart"/>
+    <dgm:cxn modelId="{607DCB52-C52C-4FA8-B685-A31D5988F9D8}" type="presOf" srcId="{72974464-95ED-4472-AD46-188130E7907A}" destId="{AB665E32-76A2-4013-B1F3-B62968F525EF}" srcOrd="0" destOrd="0" presId="urn:microsoft.com/office/officeart/2009/3/layout/HorizontalOrganizationChart"/>
+    <dgm:cxn modelId="{EE429A53-64BE-4A5C-A4C0-6B7B19115313}" type="presOf" srcId="{CB86F0B8-D163-461C-89AE-9E0CFA1D5FB9}" destId="{C5B66088-1156-4BDE-B72E-D01FB173E35E}" srcOrd="1" destOrd="0" presId="urn:microsoft.com/office/officeart/2009/3/layout/HorizontalOrganizationChart"/>
+    <dgm:cxn modelId="{6A6D9355-90F9-4875-B6D4-1F966CAC1885}" type="presOf" srcId="{78E99CFE-0C2A-40D8-BEAB-E6BF11EA4747}" destId="{5630D338-F890-468F-BD28-2ABE3B36F5E6}" srcOrd="0" destOrd="0" presId="urn:microsoft.com/office/officeart/2009/3/layout/HorizontalOrganizationChart"/>
+    <dgm:cxn modelId="{B68ACE78-2407-47F2-8998-6C15E2E8EF9D}" type="presOf" srcId="{A73B693B-D3AC-45BB-A03C-93F38EA1029F}" destId="{C5B9108D-3542-4461-9500-3111D189F2DC}" srcOrd="0" destOrd="0" presId="urn:microsoft.com/office/officeart/2009/3/layout/HorizontalOrganizationChart"/>
+    <dgm:cxn modelId="{0D00C07E-B334-42DF-AD77-ABE9636773DE}" type="presOf" srcId="{0CB4CEA5-3E3B-4CCD-9369-B5DECCD5D21B}" destId="{D18BF691-C7D2-4E8F-93A5-7A63AEB52813}" srcOrd="1" destOrd="0" presId="urn:microsoft.com/office/officeart/2009/3/layout/HorizontalOrganizationChart"/>
+    <dgm:cxn modelId="{4B2E5F83-6603-4D07-A641-D53A4BB2656D}" type="presOf" srcId="{A73B693B-D3AC-45BB-A03C-93F38EA1029F}" destId="{E3E42E3B-7DE6-4461-9412-E83D39EA5F04}" srcOrd="1" destOrd="0" presId="urn:microsoft.com/office/officeart/2009/3/layout/HorizontalOrganizationChart"/>
+    <dgm:cxn modelId="{37EE1886-C6E6-4BC2-B4F9-86CA332BE5A1}" srcId="{A545D177-5438-41F9-A461-F4A09C367708}" destId="{F48A1D8A-4D62-4017-BC18-72FB4A2475C1}" srcOrd="0" destOrd="0" parTransId="{7DA17963-774A-4EBD-ADF2-5F25A6B95C12}" sibTransId="{742D5D47-F982-421F-B783-07FDF7195D3E}"/>
+    <dgm:cxn modelId="{538B1989-FA4D-44A3-9ED1-3A49A29E886C}" type="presOf" srcId="{B50956E0-58E7-4032-A4B5-0DC76D449D87}" destId="{4DD63180-BCF2-4A61-8E69-A168B178F1AB}" srcOrd="0" destOrd="0" presId="urn:microsoft.com/office/officeart/2009/3/layout/HorizontalOrganizationChart"/>
+    <dgm:cxn modelId="{45169289-3795-4204-BF6A-2B4F3C06230F}" type="presOf" srcId="{CB86F0B8-D163-461C-89AE-9E0CFA1D5FB9}" destId="{07A2B7E6-7A5C-424B-82E5-27DA2D05B70B}" srcOrd="0" destOrd="0" presId="urn:microsoft.com/office/officeart/2009/3/layout/HorizontalOrganizationChart"/>
+    <dgm:cxn modelId="{FBF2F58B-11D1-4A73-BA6D-F322239209BB}" type="presOf" srcId="{F0722A02-5A37-4362-8B41-3D8DBEABF33A}" destId="{915AD98F-39D4-4A0A-8E79-51C31FF56F86}" srcOrd="0" destOrd="0" presId="urn:microsoft.com/office/officeart/2009/3/layout/HorizontalOrganizationChart"/>
+    <dgm:cxn modelId="{73F5538C-3BCA-4F59-BEBB-D86E56136357}" srcId="{27CD461D-FF90-47BE-9BC0-6CB00A25FDA8}" destId="{B7DA9E86-7FDF-4ABF-9A18-22981D2D8605}" srcOrd="0" destOrd="0" parTransId="{D51CA669-F1C0-4842-ABCA-F53402164947}" sibTransId="{2F20A861-DC23-476B-9F06-DCE19A897DD5}"/>
+    <dgm:cxn modelId="{90EB918D-11DB-48A5-AFB9-B61EA315BDE0}" type="presOf" srcId="{09F425D5-435B-4167-BF97-03DFA0C573E6}" destId="{D2CE64B5-8A18-4CA4-BA76-0F408B00D044}" srcOrd="0" destOrd="0" presId="urn:microsoft.com/office/officeart/2009/3/layout/HorizontalOrganizationChart"/>
     <dgm:cxn modelId="{05991791-F6B6-4F8C-9650-E29C16966B8D}" type="presOf" srcId="{287193F9-480C-4F00-BBEE-EBA41FDC74E2}" destId="{E707328B-AD47-421B-9C68-68D52E5A63B1}" srcOrd="0" destOrd="0" presId="urn:microsoft.com/office/officeart/2009/3/layout/HorizontalOrganizationChart"/>
+    <dgm:cxn modelId="{E76CB292-BE15-4DDB-B4C9-7DDDDDCB1553}" type="presOf" srcId="{B7DA9E86-7FDF-4ABF-9A18-22981D2D8605}" destId="{D568A405-01DD-46CA-ABA1-FCCEA7DFD087}" srcOrd="1" destOrd="0" presId="urn:microsoft.com/office/officeart/2009/3/layout/HorizontalOrganizationChart"/>
+    <dgm:cxn modelId="{22B28693-FE55-44C4-A745-7DAD0E1780B7}" srcId="{31044B85-A274-4CA4-9BDF-C7257D52F66C}" destId="{A73B693B-D3AC-45BB-A03C-93F38EA1029F}" srcOrd="2" destOrd="0" parTransId="{68E6ADBD-C5A0-49B1-A803-0098747F08C2}" sibTransId="{5DCF152F-4640-4A30-8AA0-E9C3811F0BCD}"/>
+    <dgm:cxn modelId="{C04FA994-79CA-4078-B001-8CBC97A71C08}" type="presOf" srcId="{27CD461D-FF90-47BE-9BC0-6CB00A25FDA8}" destId="{90B5E0FF-0357-492F-B809-5983DFAF0A99}" srcOrd="1" destOrd="0" presId="urn:microsoft.com/office/officeart/2009/3/layout/HorizontalOrganizationChart"/>
+    <dgm:cxn modelId="{B64FC295-C75F-46E4-BA2A-8C258F0E3A12}" srcId="{F48A1D8A-4D62-4017-BC18-72FB4A2475C1}" destId="{9AFCD555-2F5A-485E-BFAC-55164004572E}" srcOrd="1" destOrd="0" parTransId="{3C8E8D84-CC55-4B61-9668-2F62D93BE917}" sibTransId="{454D2FA5-3780-4ADF-9EB2-993916AD7728}"/>
+    <dgm:cxn modelId="{9A70F99A-5153-4DA9-88B9-D63C4D7B6F4F}" srcId="{F48A1D8A-4D62-4017-BC18-72FB4A2475C1}" destId="{B50956E0-58E7-4032-A4B5-0DC76D449D87}" srcOrd="2" destOrd="0" parTransId="{22B35556-7299-44E6-9052-71EC9AA4C4A1}" sibTransId="{DDBCE9F6-4C62-476F-9865-418A97A11776}"/>
+    <dgm:cxn modelId="{8308449C-ADFE-48BB-97DF-B2572B71FD56}" type="presOf" srcId="{F48A1D8A-4D62-4017-BC18-72FB4A2475C1}" destId="{661CCA2E-B3E2-4B3E-9660-0D6B79673B97}" srcOrd="0" destOrd="0" presId="urn:microsoft.com/office/officeart/2009/3/layout/HorizontalOrganizationChart"/>
+    <dgm:cxn modelId="{E9CA769E-ACFE-4604-929B-2C10B811AC3C}" type="presOf" srcId="{5924B86B-3977-4100-B8D6-5EB89A5804CF}" destId="{5B4694C4-861F-4663-8C50-1B8B0E25758D}" srcOrd="0" destOrd="0" presId="urn:microsoft.com/office/officeart/2009/3/layout/HorizontalOrganizationChart"/>
+    <dgm:cxn modelId="{5738C19F-4E8F-4111-8F3A-AAE182207A4D}" type="presOf" srcId="{7DA17963-774A-4EBD-ADF2-5F25A6B95C12}" destId="{C55D8F95-ECC0-4335-B995-67ADDFE98104}" srcOrd="0" destOrd="0" presId="urn:microsoft.com/office/officeart/2009/3/layout/HorizontalOrganizationChart"/>
+    <dgm:cxn modelId="{1915ACA0-F04D-403D-98BB-CAE8EF9BD57D}" type="presOf" srcId="{5333C31B-0821-4D89-B371-1277951812F4}" destId="{5F749B32-AAE9-4DE7-9A6D-C193C2CD9982}" srcOrd="0" destOrd="0" presId="urn:microsoft.com/office/officeart/2009/3/layout/HorizontalOrganizationChart"/>
+    <dgm:cxn modelId="{6A0BB8A5-4443-4E81-B7F5-3C27769DBFE0}" type="presOf" srcId="{E6268814-7326-45C1-88BD-1ADEB64CB468}" destId="{04CBEC04-8E5B-4A1E-882B-C0093947FD53}" srcOrd="0" destOrd="0" presId="urn:microsoft.com/office/officeart/2009/3/layout/HorizontalOrganizationChart"/>
+    <dgm:cxn modelId="{CA2E07A8-99D8-41E3-836B-3750D7B00A51}" srcId="{DF09FD71-1FF8-4720-946D-17F4E0E4FF5D}" destId="{0CB4CEA5-3E3B-4CCD-9369-B5DECCD5D21B}" srcOrd="2" destOrd="0" parTransId="{F4D4EF99-3E5E-4081-B4D7-69F0AA8C4A2D}" sibTransId="{79DCCA7C-F851-48B5-8490-582EC6988900}"/>
+    <dgm:cxn modelId="{4138A3AB-3DBF-4D8D-84D7-566951F0E0C5}" type="presOf" srcId="{DF09FD71-1FF8-4720-946D-17F4E0E4FF5D}" destId="{790C68EE-DB9C-4929-B267-5D6A1543B614}" srcOrd="0" destOrd="0" presId="urn:microsoft.com/office/officeart/2009/3/layout/HorizontalOrganizationChart"/>
+    <dgm:cxn modelId="{08B9C3AF-B629-43F6-BCA1-C136A3D09477}" type="presOf" srcId="{9F80DDE2-10CC-472C-88C6-0380F9147573}" destId="{B718217B-476C-4604-B56B-EDA00A7C5906}" srcOrd="0" destOrd="0" presId="urn:microsoft.com/office/officeart/2009/3/layout/HorizontalOrganizationChart"/>
+    <dgm:cxn modelId="{B56ACDB1-C324-4358-B5BC-8E3CD26D5243}" type="presOf" srcId="{E465D322-9184-459F-87EC-247A36A67F7A}" destId="{48ECACEE-6978-4814-9A5E-BC0C800C1F5D}" srcOrd="0" destOrd="0" presId="urn:microsoft.com/office/officeart/2009/3/layout/HorizontalOrganizationChart"/>
+    <dgm:cxn modelId="{AA16CDB8-BDB1-449E-8811-D79633872C22}" srcId="{DF09FD71-1FF8-4720-946D-17F4E0E4FF5D}" destId="{09F425D5-435B-4167-BF97-03DFA0C573E6}" srcOrd="1" destOrd="0" parTransId="{C7EACD6E-C009-462B-9CBF-D90224828612}" sibTransId="{9F7EB042-5E61-44B0-BCE4-5002132DC28B}"/>
+    <dgm:cxn modelId="{42BDCFB9-CC0C-40BA-B4B3-7B364317D6F9}" type="presOf" srcId="{B7DA9E86-7FDF-4ABF-9A18-22981D2D8605}" destId="{70D45C6F-80A8-4C1F-ADBF-5AA2D33DA810}" srcOrd="0" destOrd="0" presId="urn:microsoft.com/office/officeart/2009/3/layout/HorizontalOrganizationChart"/>
+    <dgm:cxn modelId="{1FC43DBD-BC2B-4ABB-8FB1-A6F6281E8AA9}" srcId="{DF09FD71-1FF8-4720-946D-17F4E0E4FF5D}" destId="{A545D177-5438-41F9-A461-F4A09C367708}" srcOrd="0" destOrd="0" parTransId="{B8565E5B-7780-4DE0-B5F6-B74F5BE3E1ED}" sibTransId="{C65E2B3E-AF1A-4833-8B7C-AB49D629970B}"/>
+    <dgm:cxn modelId="{EBE468BD-5A4F-499D-9CE7-C8A0C6125446}" type="presOf" srcId="{287193F9-480C-4F00-BBEE-EBA41FDC74E2}" destId="{37436511-24D4-4CBF-BBE1-98CFF86B99AF}" srcOrd="1" destOrd="0" presId="urn:microsoft.com/office/officeart/2009/3/layout/HorizontalOrganizationChart"/>
+    <dgm:cxn modelId="{7AE66EBD-7694-4B64-A5C1-04DC8D4E2F4D}" srcId="{31044B85-A274-4CA4-9BDF-C7257D52F66C}" destId="{9CB805C7-F6AC-48D9-BE20-650998BE96FD}" srcOrd="1" destOrd="0" parTransId="{27A2FD21-6D03-4F93-AD90-C5243D59E9E4}" sibTransId="{68858497-F7D3-45A1-8F58-A353D65F4545}"/>
+    <dgm:cxn modelId="{71A72FBF-9A90-42FB-82D0-A269AA8711D2}" srcId="{09F425D5-435B-4167-BF97-03DFA0C573E6}" destId="{CB86F0B8-D163-461C-89AE-9E0CFA1D5FB9}" srcOrd="0" destOrd="0" parTransId="{E465D322-9184-459F-87EC-247A36A67F7A}" sibTransId="{4CE559D1-590F-41A7-AA41-DBC696C96FB9}"/>
+    <dgm:cxn modelId="{6D9CB8C0-BD55-4226-BD93-99C3909E9DFA}" type="presOf" srcId="{9CB805C7-F6AC-48D9-BE20-650998BE96FD}" destId="{66670FCD-2A39-468F-9670-25A301D3EE57}" srcOrd="1" destOrd="0" presId="urn:microsoft.com/office/officeart/2009/3/layout/HorizontalOrganizationChart"/>
+    <dgm:cxn modelId="{50B394D3-29F9-4763-80D4-407689032AA0}" type="presOf" srcId="{F48A1D8A-4D62-4017-BC18-72FB4A2475C1}" destId="{6650A991-E2FC-450C-959D-CF25D3A64D13}" srcOrd="1" destOrd="0" presId="urn:microsoft.com/office/officeart/2009/3/layout/HorizontalOrganizationChart"/>
+    <dgm:cxn modelId="{57F996D3-8531-463E-9D28-9AE19DEFCEBA}" type="presOf" srcId="{69172A8D-65C6-464C-B62E-ED801B209808}" destId="{D687B124-023A-4926-B9CF-21DBE3C4C62E}" srcOrd="0" destOrd="0" presId="urn:microsoft.com/office/officeart/2009/3/layout/HorizontalOrganizationChart"/>
     <dgm:cxn modelId="{8CFF8AD5-F1E9-4D01-B64F-2E5AAB37206A}" srcId="{9CB805C7-F6AC-48D9-BE20-650998BE96FD}" destId="{27CD461D-FF90-47BE-9BC0-6CB00A25FDA8}" srcOrd="0" destOrd="0" parTransId="{F0722A02-5A37-4362-8B41-3D8DBEABF33A}" sibTransId="{B95889CF-DE46-4F9F-83E4-F13C171F80C4}"/>
+    <dgm:cxn modelId="{59A911DF-4377-4831-BCD9-CF05622955A0}" srcId="{72974464-95ED-4472-AD46-188130E7907A}" destId="{DF09FD71-1FF8-4720-946D-17F4E0E4FF5D}" srcOrd="0" destOrd="0" parTransId="{33A138E3-CC1D-4D4D-A7C4-E4779C074517}" sibTransId="{0001E07D-A685-4D51-ABA1-2E6FE5D7D167}"/>
+    <dgm:cxn modelId="{AE3F6DE0-7DD3-4306-905F-4A4C9797BE02}" type="presOf" srcId="{F4D4EF99-3E5E-4081-B4D7-69F0AA8C4A2D}" destId="{2568631B-059F-4B8D-B02F-BF9C511A5F3A}" srcOrd="0" destOrd="0" presId="urn:microsoft.com/office/officeart/2009/3/layout/HorizontalOrganizationChart"/>
+    <dgm:cxn modelId="{039D53E7-9558-498D-81B0-FDD9AFEFB541}" type="presOf" srcId="{9AFCD555-2F5A-485E-BFAC-55164004572E}" destId="{B93E1811-E7A4-40DE-8B82-D7600D1EC853}" srcOrd="0" destOrd="0" presId="urn:microsoft.com/office/officeart/2009/3/layout/HorizontalOrganizationChart"/>
+    <dgm:cxn modelId="{CA65BEE7-762F-4392-A37C-A075163641AA}" srcId="{9F80DDE2-10CC-472C-88C6-0380F9147573}" destId="{E6268814-7326-45C1-88BD-1ADEB64CB468}" srcOrd="0" destOrd="0" parTransId="{78E99CFE-0C2A-40D8-BEAB-E6BF11EA4747}" sibTransId="{6D35614F-4E0B-4377-A742-A6D9499DCA17}"/>
+    <dgm:cxn modelId="{8E2F15E9-E0B7-4F6F-958D-69C60D5E8698}" type="presOf" srcId="{33A138E3-CC1D-4D4D-A7C4-E4779C074517}" destId="{FEB2714F-2F6E-4062-ACEB-2793B697164D}" srcOrd="0" destOrd="0" presId="urn:microsoft.com/office/officeart/2009/3/layout/HorizontalOrganizationChart"/>
+    <dgm:cxn modelId="{A04A7FEA-8B9C-4D91-A827-C0247C0B0077}" type="presOf" srcId="{C7EACD6E-C009-462B-9CBF-D90224828612}" destId="{E51F6781-BF87-4A9C-9AB4-2ABCBCFA4AB5}" srcOrd="0" destOrd="0" presId="urn:microsoft.com/office/officeart/2009/3/layout/HorizontalOrganizationChart"/>
+    <dgm:cxn modelId="{29CD6AEC-7555-4E21-AB55-52FE3A15664E}" type="presOf" srcId="{B8565E5B-7780-4DE0-B5F6-B74F5BE3E1ED}" destId="{D6CBF852-4055-44AD-B71E-84A3B9DDDA28}" srcOrd="0" destOrd="0" presId="urn:microsoft.com/office/officeart/2009/3/layout/HorizontalOrganizationChart"/>
+    <dgm:cxn modelId="{6D38E4F0-9B48-4239-8163-CF15871FD92D}" srcId="{F48A1D8A-4D62-4017-BC18-72FB4A2475C1}" destId="{287193F9-480C-4F00-BBEE-EBA41FDC74E2}" srcOrd="0" destOrd="0" parTransId="{5924B86B-3977-4100-B8D6-5EB89A5804CF}" sibTransId="{B86CF3E1-2025-4D5C-A07D-4D77ABA4EB3E}"/>
+    <dgm:cxn modelId="{C61CFEF3-F125-4015-A527-22C59D61F9F4}" type="presOf" srcId="{0CB4CEA5-3E3B-4CCD-9369-B5DECCD5D21B}" destId="{52AA2D60-9D52-4238-9DE3-E28AB6E2F30E}" srcOrd="0" destOrd="0" presId="urn:microsoft.com/office/officeart/2009/3/layout/HorizontalOrganizationChart"/>
+    <dgm:cxn modelId="{772013F7-226E-400F-8CF6-B02C502EBC44}" srcId="{A545D177-5438-41F9-A461-F4A09C367708}" destId="{9F80DDE2-10CC-472C-88C6-0380F9147573}" srcOrd="1" destOrd="0" parTransId="{69172A8D-65C6-464C-B62E-ED801B209808}" sibTransId="{2A058EC0-C4E8-4C27-8ECC-A4069DC12EA4}"/>
+    <dgm:cxn modelId="{D0B719F9-387B-45D9-B66E-1BE292D734A8}" type="presOf" srcId="{9F80DDE2-10CC-472C-88C6-0380F9147573}" destId="{BDD36EA1-F0E1-477D-ADE8-37025BD771A6}" srcOrd="1" destOrd="0" presId="urn:microsoft.com/office/officeart/2009/3/layout/HorizontalOrganizationChart"/>
+    <dgm:cxn modelId="{4E56DDF9-BAB8-4EF5-81CD-9BDF979371B4}" type="presOf" srcId="{D51CA669-F1C0-4842-ABCA-F53402164947}" destId="{9F422D31-9E2E-4DC1-98A9-C9EED6D61FA1}" srcOrd="0" destOrd="0" presId="urn:microsoft.com/office/officeart/2009/3/layout/HorizontalOrganizationChart"/>
     <dgm:cxn modelId="{2FD0FBD5-F6DB-4F51-A55C-37F2A672A825}" type="presParOf" srcId="{633A2F8C-6B4F-440A-BAEE-0A54616EA8B5}" destId="{0C1E03DB-81FD-448C-935E-9E658886A052}" srcOrd="0" destOrd="0" presId="urn:microsoft.com/office/officeart/2009/3/layout/HorizontalOrganizationChart"/>
     <dgm:cxn modelId="{C4E61CD1-DF10-430E-8AFA-39AC1510A008}" type="presParOf" srcId="{0C1E03DB-81FD-448C-935E-9E658886A052}" destId="{D2AC251D-7199-4676-8B89-F622F166F692}" srcOrd="0" destOrd="0" presId="urn:microsoft.com/office/officeart/2009/3/layout/HorizontalOrganizationChart"/>
     <dgm:cxn modelId="{3C5F42DA-95C8-44A8-884F-F7BEC18F1D2D}" type="presParOf" srcId="{D2AC251D-7199-4676-8B89-F622F166F692}" destId="{AB665E32-76A2-4013-B1F3-B62968F525EF}" srcOrd="0" destOrd="0" presId="urn:microsoft.com/office/officeart/2009/3/layout/HorizontalOrganizationChart"/>
@@ -3596,7 +3484,7 @@
         </a:bodyPr>
         <a:lstStyle/>
         <a:p>
-          <a:pPr lvl="0" algn="ctr" defTabSz="533400" latinLnBrk="1">
+          <a:pPr marL="0" lvl="0" indent="0" algn="ctr" defTabSz="533400" latinLnBrk="1">
             <a:lnSpc>
               <a:spcPct val="90000"/>
             </a:lnSpc>
@@ -3606,9 +3494,10 @@
             <a:spcAft>
               <a:spcPct val="35000"/>
             </a:spcAft>
+            <a:buNone/>
           </a:pPr>
           <a:r>
-            <a:rPr lang="en-US" altLang="ko-KR" sz="1200" kern="1200" dirty="0" err="1" smtClean="0"/>
+            <a:rPr lang="en-US" altLang="ko-KR" sz="1200" kern="1200" dirty="0" err="1"/>
             <a:t>cpu</a:t>
           </a:r>
           <a:endParaRPr lang="ko-KR" altLang="en-US" sz="1200" kern="1200" dirty="0"/>
@@ -3674,7 +3563,7 @@
         </a:bodyPr>
         <a:lstStyle/>
         <a:p>
-          <a:pPr lvl="0" algn="ctr" defTabSz="533400" latinLnBrk="1">
+          <a:pPr marL="0" lvl="0" indent="0" algn="ctr" defTabSz="533400" latinLnBrk="1">
             <a:lnSpc>
               <a:spcPct val="90000"/>
             </a:lnSpc>
@@ -3684,9 +3573,10 @@
             <a:spcAft>
               <a:spcPct val="35000"/>
             </a:spcAft>
+            <a:buNone/>
           </a:pPr>
           <a:r>
-            <a:rPr lang="en-US" altLang="ko-KR" sz="1200" kern="1200" dirty="0" err="1" smtClean="0"/>
+            <a:rPr lang="en-US" altLang="ko-KR" sz="1200" kern="1200" dirty="0" err="1"/>
             <a:t>kubepod</a:t>
           </a:r>
           <a:endParaRPr lang="ko-KR" altLang="en-US" sz="1200" kern="1200" dirty="0"/>
@@ -3752,7 +3642,7 @@
         </a:bodyPr>
         <a:lstStyle/>
         <a:p>
-          <a:pPr lvl="0" algn="ctr" defTabSz="533400" latinLnBrk="1">
+          <a:pPr marL="0" lvl="0" indent="0" algn="ctr" defTabSz="533400" latinLnBrk="1">
             <a:lnSpc>
               <a:spcPct val="90000"/>
             </a:lnSpc>
@@ -3762,9 +3652,10 @@
             <a:spcAft>
               <a:spcPct val="35000"/>
             </a:spcAft>
+            <a:buNone/>
           </a:pPr>
           <a:r>
-            <a:rPr lang="en-US" altLang="ko-KR" sz="1200" kern="1200" dirty="0" err="1" smtClean="0"/>
+            <a:rPr lang="en-US" altLang="ko-KR" sz="1200" kern="1200" dirty="0" err="1"/>
             <a:t>besteffort</a:t>
           </a:r>
           <a:endParaRPr lang="ko-KR" altLang="en-US" sz="1200" kern="1200" dirty="0"/>
@@ -3830,7 +3721,7 @@
         </a:bodyPr>
         <a:lstStyle/>
         <a:p>
-          <a:pPr lvl="0" algn="ctr" defTabSz="533400" latinLnBrk="1">
+          <a:pPr marL="0" lvl="0" indent="0" algn="ctr" defTabSz="533400" latinLnBrk="1">
             <a:lnSpc>
               <a:spcPct val="90000"/>
             </a:lnSpc>
@@ -3840,9 +3731,10 @@
             <a:spcAft>
               <a:spcPct val="35000"/>
             </a:spcAft>
+            <a:buNone/>
           </a:pPr>
           <a:r>
-            <a:rPr lang="en-US" altLang="ko-KR" sz="1200" kern="1200" dirty="0" smtClean="0"/>
+            <a:rPr lang="en-US" altLang="ko-KR" sz="1200" kern="1200" dirty="0"/>
             <a:t>Pod A</a:t>
           </a:r>
           <a:endParaRPr lang="ko-KR" altLang="en-US" sz="1200" kern="1200" dirty="0"/>
@@ -3902,7 +3794,7 @@
         </a:bodyPr>
         <a:lstStyle/>
         <a:p>
-          <a:pPr lvl="0" algn="ctr" defTabSz="533400" latinLnBrk="1">
+          <a:pPr marL="0" lvl="0" indent="0" algn="ctr" defTabSz="533400" latinLnBrk="1">
             <a:lnSpc>
               <a:spcPct val="90000"/>
             </a:lnSpc>
@@ -3912,10 +3804,11 @@
             <a:spcAft>
               <a:spcPct val="35000"/>
             </a:spcAft>
+            <a:buNone/>
           </a:pPr>
           <a:r>
-            <a:rPr lang="en-US" altLang="ko-KR" sz="1200" b="0" kern="1200" dirty="0" smtClean="0"/>
-            <a:t>Pod A Container</a:t>
+            <a:rPr lang="en-US" altLang="ko-KR" sz="1200" b="0" kern="1200"/>
+            <a:t>Pause Container A</a:t>
           </a:r>
           <a:endParaRPr lang="ko-KR" altLang="en-US" sz="1200" b="0" kern="1200" dirty="0"/>
         </a:p>
@@ -3980,7 +3873,7 @@
         </a:bodyPr>
         <a:lstStyle/>
         <a:p>
-          <a:pPr lvl="0" algn="ctr" defTabSz="533400" latinLnBrk="1">
+          <a:pPr marL="0" lvl="0" indent="0" algn="ctr" defTabSz="533400" latinLnBrk="1">
             <a:lnSpc>
               <a:spcPct val="90000"/>
             </a:lnSpc>
@@ -3990,9 +3883,10 @@
             <a:spcAft>
               <a:spcPct val="35000"/>
             </a:spcAft>
+            <a:buNone/>
           </a:pPr>
           <a:r>
-            <a:rPr lang="en-US" altLang="ko-KR" sz="1200" kern="1200" dirty="0" smtClean="0"/>
+            <a:rPr lang="en-US" altLang="ko-KR" sz="1200" kern="1200" dirty="0"/>
             <a:t>App Container A</a:t>
           </a:r>
           <a:endParaRPr lang="ko-KR" altLang="en-US" sz="1200" kern="1200" dirty="0"/>
@@ -4058,7 +3952,7 @@
         </a:bodyPr>
         <a:lstStyle/>
         <a:p>
-          <a:pPr lvl="0" algn="ctr" defTabSz="533400" latinLnBrk="1">
+          <a:pPr marL="0" lvl="0" indent="0" algn="ctr" defTabSz="533400" latinLnBrk="1">
             <a:lnSpc>
               <a:spcPct val="90000"/>
             </a:lnSpc>
@@ -4068,9 +3962,10 @@
             <a:spcAft>
               <a:spcPct val="35000"/>
             </a:spcAft>
+            <a:buNone/>
           </a:pPr>
           <a:r>
-            <a:rPr lang="en-US" altLang="ko-KR" sz="1200" kern="1200" dirty="0" smtClean="0"/>
+            <a:rPr lang="en-US" altLang="ko-KR" sz="1200" kern="1200" dirty="0"/>
             <a:t>App Container B</a:t>
           </a:r>
           <a:endParaRPr lang="ko-KR" altLang="en-US" sz="1200" kern="1200" dirty="0"/>
@@ -4136,7 +4031,7 @@
         </a:bodyPr>
         <a:lstStyle/>
         <a:p>
-          <a:pPr lvl="0" algn="ctr" defTabSz="533400" latinLnBrk="1">
+          <a:pPr marL="0" lvl="0" indent="0" algn="ctr" defTabSz="533400" latinLnBrk="1">
             <a:lnSpc>
               <a:spcPct val="90000"/>
             </a:lnSpc>
@@ -4146,9 +4041,10 @@
             <a:spcAft>
               <a:spcPct val="35000"/>
             </a:spcAft>
+            <a:buNone/>
           </a:pPr>
           <a:r>
-            <a:rPr lang="en-US" altLang="ko-KR" sz="1200" kern="1200" dirty="0" smtClean="0"/>
+            <a:rPr lang="en-US" altLang="ko-KR" sz="1200" kern="1200" dirty="0"/>
             <a:t>Pod B</a:t>
           </a:r>
           <a:endParaRPr lang="ko-KR" altLang="en-US" sz="1200" kern="1200" dirty="0"/>
@@ -4208,7 +4104,7 @@
         </a:bodyPr>
         <a:lstStyle/>
         <a:p>
-          <a:pPr lvl="0" algn="ctr" defTabSz="533400" latinLnBrk="1">
+          <a:pPr marL="0" lvl="0" indent="0" algn="ctr" defTabSz="533400" latinLnBrk="1">
             <a:lnSpc>
               <a:spcPct val="90000"/>
             </a:lnSpc>
@@ -4218,10 +4114,11 @@
             <a:spcAft>
               <a:spcPct val="35000"/>
             </a:spcAft>
+            <a:buNone/>
           </a:pPr>
           <a:r>
-            <a:rPr lang="en-US" altLang="ko-KR" sz="1200" b="0" kern="1200" dirty="0" smtClean="0"/>
-            <a:t>Pod B Container</a:t>
+            <a:rPr lang="en-US" altLang="ko-KR" sz="1200" b="0" kern="1200"/>
+            <a:t>Pause Container B</a:t>
           </a:r>
           <a:endParaRPr lang="ko-KR" altLang="en-US" sz="1200" b="0" kern="1200" dirty="0"/>
         </a:p>
@@ -4286,7 +4183,7 @@
         </a:bodyPr>
         <a:lstStyle/>
         <a:p>
-          <a:pPr lvl="0" algn="ctr" defTabSz="533400" latinLnBrk="1">
+          <a:pPr marL="0" lvl="0" indent="0" algn="ctr" defTabSz="533400" latinLnBrk="1">
             <a:lnSpc>
               <a:spcPct val="90000"/>
             </a:lnSpc>
@@ -4296,9 +4193,10 @@
             <a:spcAft>
               <a:spcPct val="35000"/>
             </a:spcAft>
+            <a:buNone/>
           </a:pPr>
           <a:r>
-            <a:rPr lang="en-US" altLang="ko-KR" sz="1200" kern="1200" dirty="0" smtClean="0"/>
+            <a:rPr lang="en-US" altLang="ko-KR" sz="1200" kern="1200" dirty="0"/>
             <a:t>App Container C</a:t>
           </a:r>
           <a:endParaRPr lang="ko-KR" altLang="en-US" sz="1200" kern="1200" dirty="0"/>
@@ -4364,7 +4262,7 @@
         </a:bodyPr>
         <a:lstStyle/>
         <a:p>
-          <a:pPr lvl="0" algn="ctr" defTabSz="533400" latinLnBrk="1">
+          <a:pPr marL="0" lvl="0" indent="0" algn="ctr" defTabSz="533400" latinLnBrk="1">
             <a:lnSpc>
               <a:spcPct val="90000"/>
             </a:lnSpc>
@@ -4374,9 +4272,10 @@
             <a:spcAft>
               <a:spcPct val="35000"/>
             </a:spcAft>
+            <a:buNone/>
           </a:pPr>
           <a:r>
-            <a:rPr lang="en-US" altLang="ko-KR" sz="1200" kern="1200" dirty="0" smtClean="0"/>
+            <a:rPr lang="en-US" altLang="ko-KR" sz="1200" kern="1200" dirty="0"/>
             <a:t>burstable</a:t>
           </a:r>
           <a:endParaRPr lang="ko-KR" altLang="en-US" sz="1200" kern="1200" dirty="0"/>
@@ -4442,7 +4341,7 @@
         </a:bodyPr>
         <a:lstStyle/>
         <a:p>
-          <a:pPr lvl="0" algn="ctr" defTabSz="533400" latinLnBrk="1">
+          <a:pPr marL="0" lvl="0" indent="0" algn="ctr" defTabSz="533400" latinLnBrk="1">
             <a:lnSpc>
               <a:spcPct val="90000"/>
             </a:lnSpc>
@@ -4452,9 +4351,10 @@
             <a:spcAft>
               <a:spcPct val="35000"/>
             </a:spcAft>
+            <a:buNone/>
           </a:pPr>
           <a:r>
-            <a:rPr lang="en-US" altLang="ko-KR" sz="1200" kern="1200" dirty="0" smtClean="0"/>
+            <a:rPr lang="en-US" altLang="ko-KR" sz="1200" kern="1200" dirty="0"/>
             <a:t>…</a:t>
           </a:r>
           <a:endParaRPr lang="ko-KR" altLang="en-US" sz="1200" kern="1200" dirty="0"/>
@@ -4520,7 +4420,7 @@
         </a:bodyPr>
         <a:lstStyle/>
         <a:p>
-          <a:pPr lvl="0" algn="ctr" defTabSz="533400" latinLnBrk="1">
+          <a:pPr marL="0" lvl="0" indent="0" algn="ctr" defTabSz="533400" latinLnBrk="1">
             <a:lnSpc>
               <a:spcPct val="90000"/>
             </a:lnSpc>
@@ -4530,9 +4430,10 @@
             <a:spcAft>
               <a:spcPct val="35000"/>
             </a:spcAft>
+            <a:buNone/>
           </a:pPr>
           <a:r>
-            <a:rPr lang="en-US" altLang="ko-KR" sz="1200" kern="1200" dirty="0" smtClean="0"/>
+            <a:rPr lang="en-US" altLang="ko-KR" sz="1200" kern="1200" dirty="0"/>
             <a:t>Pod C</a:t>
           </a:r>
           <a:endParaRPr lang="ko-KR" altLang="en-US" sz="1200" kern="1200" dirty="0"/>
@@ -4598,7 +4499,7 @@
         </a:bodyPr>
         <a:lstStyle/>
         <a:p>
-          <a:pPr lvl="0" algn="ctr" defTabSz="533400" latinLnBrk="1">
+          <a:pPr marL="0" lvl="0" indent="0" algn="ctr" defTabSz="533400" latinLnBrk="1">
             <a:lnSpc>
               <a:spcPct val="90000"/>
             </a:lnSpc>
@@ -4608,9 +4509,10 @@
             <a:spcAft>
               <a:spcPct val="35000"/>
             </a:spcAft>
+            <a:buNone/>
           </a:pPr>
           <a:r>
-            <a:rPr lang="en-US" altLang="ko-KR" sz="1200" kern="1200" dirty="0" smtClean="0"/>
+            <a:rPr lang="en-US" altLang="ko-KR" sz="1200" kern="1200" dirty="0"/>
             <a:t>…</a:t>
           </a:r>
           <a:endParaRPr lang="ko-KR" altLang="en-US" sz="1200" kern="1200" dirty="0"/>
@@ -4676,7 +4578,7 @@
         </a:bodyPr>
         <a:lstStyle/>
         <a:p>
-          <a:pPr lvl="0" algn="ctr" defTabSz="533400" latinLnBrk="1">
+          <a:pPr marL="0" lvl="0" indent="0" algn="ctr" defTabSz="533400" latinLnBrk="1">
             <a:lnSpc>
               <a:spcPct val="90000"/>
             </a:lnSpc>
@@ -4686,9 +4588,10 @@
             <a:spcAft>
               <a:spcPct val="35000"/>
             </a:spcAft>
+            <a:buNone/>
           </a:pPr>
           <a:r>
-            <a:rPr lang="en-US" altLang="ko-KR" sz="1200" kern="1200" dirty="0" smtClean="0"/>
+            <a:rPr lang="en-US" altLang="ko-KR" sz="1200" kern="1200" dirty="0"/>
             <a:t>Memory</a:t>
           </a:r>
           <a:endParaRPr lang="ko-KR" altLang="en-US" sz="1200" kern="1200" dirty="0"/>
@@ -4754,7 +4657,7 @@
         </a:bodyPr>
         <a:lstStyle/>
         <a:p>
-          <a:pPr lvl="0" algn="ctr" defTabSz="533400" latinLnBrk="1">
+          <a:pPr marL="0" lvl="0" indent="0" algn="ctr" defTabSz="533400" latinLnBrk="1">
             <a:lnSpc>
               <a:spcPct val="90000"/>
             </a:lnSpc>
@@ -4764,9 +4667,10 @@
             <a:spcAft>
               <a:spcPct val="35000"/>
             </a:spcAft>
+            <a:buNone/>
           </a:pPr>
           <a:r>
-            <a:rPr lang="en-US" altLang="ko-KR" sz="1200" kern="1200" dirty="0" err="1" smtClean="0"/>
+            <a:rPr lang="en-US" altLang="ko-KR" sz="1200" kern="1200" dirty="0" err="1"/>
             <a:t>Kubepod</a:t>
           </a:r>
           <a:endParaRPr lang="ko-KR" altLang="en-US" sz="1200" kern="1200" dirty="0"/>
@@ -4832,7 +4736,7 @@
         </a:bodyPr>
         <a:lstStyle/>
         <a:p>
-          <a:pPr lvl="0" algn="ctr" defTabSz="533400" latinLnBrk="1">
+          <a:pPr marL="0" lvl="0" indent="0" algn="ctr" defTabSz="533400" latinLnBrk="1">
             <a:lnSpc>
               <a:spcPct val="90000"/>
             </a:lnSpc>
@@ -4842,9 +4746,10 @@
             <a:spcAft>
               <a:spcPct val="35000"/>
             </a:spcAft>
+            <a:buNone/>
           </a:pPr>
           <a:r>
-            <a:rPr lang="en-US" altLang="ko-KR" sz="1200" kern="1200" dirty="0" smtClean="0"/>
+            <a:rPr lang="en-US" altLang="ko-KR" sz="1200" kern="1200" dirty="0"/>
             <a:t>…</a:t>
           </a:r>
           <a:endParaRPr lang="ko-KR" altLang="en-US" sz="1200" kern="1200" dirty="0"/>
@@ -4910,7 +4815,7 @@
         </a:bodyPr>
         <a:lstStyle/>
         <a:p>
-          <a:pPr lvl="0" algn="ctr" defTabSz="533400" latinLnBrk="1">
+          <a:pPr marL="0" lvl="0" indent="0" algn="ctr" defTabSz="533400" latinLnBrk="1">
             <a:lnSpc>
               <a:spcPct val="90000"/>
             </a:lnSpc>
@@ -4920,9 +4825,10 @@
             <a:spcAft>
               <a:spcPct val="35000"/>
             </a:spcAft>
+            <a:buNone/>
           </a:pPr>
           <a:r>
-            <a:rPr lang="en-US" altLang="ko-KR" sz="1200" kern="1200" dirty="0" smtClean="0"/>
+            <a:rPr lang="en-US" altLang="ko-KR" sz="1200" kern="1200" dirty="0"/>
             <a:t>…</a:t>
           </a:r>
           <a:endParaRPr lang="ko-KR" altLang="en-US" sz="1200" kern="1200" dirty="0"/>
@@ -7237,7 +7143,7 @@
           <a:p>
             <a:fld id="{6CD5550B-26C4-49A9-A5BA-636EF7BE6CE9}" type="datetimeFigureOut">
               <a:rPr lang="ko-KR" altLang="en-US" smtClean="0"/>
-              <a:t>2018-06-05</a:t>
+              <a:t>2018-06-08</a:t>
             </a:fld>
             <a:endParaRPr lang="ko-KR" altLang="en-US"/>
           </a:p>
@@ -7935,7 +7841,7 @@
           <a:p>
             <a:fld id="{FB30EDBD-1C2D-4C1E-B459-B60219FAB484}" type="datetimeFigureOut">
               <a:rPr lang="ko-KR" altLang="en-US" smtClean="0"/>
-              <a:t>2018-06-05</a:t>
+              <a:t>2018-06-08</a:t>
             </a:fld>
             <a:endParaRPr lang="ko-KR" altLang="en-US"/>
           </a:p>
@@ -8098,7 +8004,7 @@
           <a:p>
             <a:fld id="{FB30EDBD-1C2D-4C1E-B459-B60219FAB484}" type="datetimeFigureOut">
               <a:rPr lang="ko-KR" altLang="en-US" smtClean="0"/>
-              <a:t>2018-06-05</a:t>
+              <a:t>2018-06-08</a:t>
             </a:fld>
             <a:endParaRPr lang="ko-KR" altLang="en-US"/>
           </a:p>
@@ -8271,7 +8177,7 @@
           <a:p>
             <a:fld id="{FB30EDBD-1C2D-4C1E-B459-B60219FAB484}" type="datetimeFigureOut">
               <a:rPr lang="ko-KR" altLang="en-US" smtClean="0"/>
-              <a:t>2018-06-05</a:t>
+              <a:t>2018-06-08</a:t>
             </a:fld>
             <a:endParaRPr lang="ko-KR" altLang="en-US"/>
           </a:p>
@@ -8434,7 +8340,7 @@
           <a:p>
             <a:fld id="{FB30EDBD-1C2D-4C1E-B459-B60219FAB484}" type="datetimeFigureOut">
               <a:rPr lang="ko-KR" altLang="en-US" smtClean="0"/>
-              <a:t>2018-06-05</a:t>
+              <a:t>2018-06-08</a:t>
             </a:fld>
             <a:endParaRPr lang="ko-KR" altLang="en-US"/>
           </a:p>
@@ -8674,7 +8580,7 @@
           <a:p>
             <a:fld id="{FB30EDBD-1C2D-4C1E-B459-B60219FAB484}" type="datetimeFigureOut">
               <a:rPr lang="ko-KR" altLang="en-US" smtClean="0"/>
-              <a:t>2018-06-05</a:t>
+              <a:t>2018-06-08</a:t>
             </a:fld>
             <a:endParaRPr lang="ko-KR" altLang="en-US"/>
           </a:p>
@@ -8954,7 +8860,7 @@
           <a:p>
             <a:fld id="{FB30EDBD-1C2D-4C1E-B459-B60219FAB484}" type="datetimeFigureOut">
               <a:rPr lang="ko-KR" altLang="en-US" smtClean="0"/>
-              <a:t>2018-06-05</a:t>
+              <a:t>2018-06-08</a:t>
             </a:fld>
             <a:endParaRPr lang="ko-KR" altLang="en-US"/>
           </a:p>
@@ -9368,7 +9274,7 @@
           <a:p>
             <a:fld id="{FB30EDBD-1C2D-4C1E-B459-B60219FAB484}" type="datetimeFigureOut">
               <a:rPr lang="ko-KR" altLang="en-US" smtClean="0"/>
-              <a:t>2018-06-05</a:t>
+              <a:t>2018-06-08</a:t>
             </a:fld>
             <a:endParaRPr lang="ko-KR" altLang="en-US"/>
           </a:p>
@@ -9480,7 +9386,7 @@
           <a:p>
             <a:fld id="{FB30EDBD-1C2D-4C1E-B459-B60219FAB484}" type="datetimeFigureOut">
               <a:rPr lang="ko-KR" altLang="en-US" smtClean="0"/>
-              <a:t>2018-06-05</a:t>
+              <a:t>2018-06-08</a:t>
             </a:fld>
             <a:endParaRPr lang="ko-KR" altLang="en-US"/>
           </a:p>
@@ -9570,7 +9476,7 @@
           <a:p>
             <a:fld id="{FB30EDBD-1C2D-4C1E-B459-B60219FAB484}" type="datetimeFigureOut">
               <a:rPr lang="ko-KR" altLang="en-US" smtClean="0"/>
-              <a:t>2018-06-05</a:t>
+              <a:t>2018-06-08</a:t>
             </a:fld>
             <a:endParaRPr lang="ko-KR" altLang="en-US"/>
           </a:p>
@@ -9840,7 +9746,7 @@
           <a:p>
             <a:fld id="{FB30EDBD-1C2D-4C1E-B459-B60219FAB484}" type="datetimeFigureOut">
               <a:rPr lang="ko-KR" altLang="en-US" smtClean="0"/>
-              <a:t>2018-06-05</a:t>
+              <a:t>2018-06-08</a:t>
             </a:fld>
             <a:endParaRPr lang="ko-KR" altLang="en-US"/>
           </a:p>
@@ -10087,7 +9993,7 @@
           <a:p>
             <a:fld id="{FB30EDBD-1C2D-4C1E-B459-B60219FAB484}" type="datetimeFigureOut">
               <a:rPr lang="ko-KR" altLang="en-US" smtClean="0"/>
-              <a:t>2018-06-05</a:t>
+              <a:t>2018-06-08</a:t>
             </a:fld>
             <a:endParaRPr lang="ko-KR" altLang="en-US"/>
           </a:p>
@@ -10293,7 +10199,7 @@
           <a:p>
             <a:fld id="{FB30EDBD-1C2D-4C1E-B459-B60219FAB484}" type="datetimeFigureOut">
               <a:rPr lang="ko-KR" altLang="en-US" smtClean="0"/>
-              <a:t>2018-06-05</a:t>
+              <a:t>2018-06-08</a:t>
             </a:fld>
             <a:endParaRPr lang="ko-KR" altLang="en-US"/>
           </a:p>
@@ -10686,7 +10592,7 @@
           <a:lstStyle/>
           <a:p>
             <a:r>
-              <a:rPr lang="en-US" altLang="ko-KR" dirty="0" smtClean="0"/>
+              <a:rPr lang="en-US" altLang="ko-KR" dirty="0"/>
               <a:t>Pod Component</a:t>
             </a:r>
             <a:endParaRPr lang="ko-KR" altLang="en-US" dirty="0"/>
@@ -10731,7 +10637,7 @@
           <a:p>
             <a:pPr algn="ctr"/>
             <a:r>
-              <a:rPr lang="en-US" altLang="ko-KR" sz="1600" dirty="0" smtClean="0"/>
+              <a:rPr lang="en-US" altLang="ko-KR" sz="1600" dirty="0"/>
               <a:t>Node</a:t>
             </a:r>
             <a:endParaRPr lang="ko-KR" altLang="en-US" sz="1600" dirty="0"/>
@@ -10776,7 +10682,7 @@
           <a:p>
             <a:pPr algn="ctr"/>
             <a:r>
-              <a:rPr lang="en-US" altLang="ko-KR" sz="1400" dirty="0" smtClean="0"/>
+              <a:rPr lang="en-US" altLang="ko-KR" sz="1400" dirty="0"/>
               <a:t>Volume A</a:t>
             </a:r>
             <a:endParaRPr lang="ko-KR" altLang="en-US" sz="1400" dirty="0"/>
@@ -10821,7 +10727,7 @@
           <a:p>
             <a:pPr algn="ctr"/>
             <a:r>
-              <a:rPr lang="en-US" altLang="ko-KR" sz="1400" dirty="0" smtClean="0"/>
+              <a:rPr lang="en-US" altLang="ko-KR" sz="1400" dirty="0"/>
               <a:t>Pod A</a:t>
             </a:r>
             <a:endParaRPr lang="ko-KR" altLang="en-US" sz="1400" dirty="0"/>
@@ -10866,7 +10772,7 @@
           <a:p>
             <a:pPr algn="ctr"/>
             <a:r>
-              <a:rPr lang="en-US" altLang="ko-KR" sz="1400" dirty="0" smtClean="0"/>
+              <a:rPr lang="en-US" altLang="ko-KR" sz="1400" dirty="0"/>
               <a:t>Container A</a:t>
             </a:r>
             <a:endParaRPr lang="ko-KR" altLang="en-US" sz="1400" dirty="0"/>
@@ -10911,7 +10817,7 @@
           <a:p>
             <a:pPr algn="ctr"/>
             <a:r>
-              <a:rPr lang="en-US" altLang="ko-KR" sz="1400" dirty="0" smtClean="0"/>
+              <a:rPr lang="en-US" altLang="ko-KR" sz="1400" dirty="0"/>
               <a:t>Container B</a:t>
             </a:r>
             <a:endParaRPr lang="ko-KR" altLang="en-US" sz="1400" dirty="0"/>
@@ -10956,7 +10862,7 @@
           <a:p>
             <a:pPr algn="ctr"/>
             <a:r>
-              <a:rPr lang="en-US" altLang="ko-KR" sz="1400" dirty="0" smtClean="0"/>
+              <a:rPr lang="en-US" altLang="ko-KR" sz="1400" dirty="0"/>
               <a:t>net ns</a:t>
             </a:r>
             <a:endParaRPr lang="ko-KR" altLang="en-US" sz="1400" dirty="0"/>
@@ -11001,11 +10907,11 @@
           <a:p>
             <a:pPr algn="ctr"/>
             <a:r>
-              <a:rPr lang="en-US" altLang="ko-KR" sz="1400" dirty="0" err="1" smtClean="0"/>
+              <a:rPr lang="en-US" altLang="ko-KR" sz="1400" dirty="0" err="1"/>
               <a:t>ipc</a:t>
             </a:r>
             <a:r>
-              <a:rPr lang="en-US" altLang="ko-KR" sz="1400" dirty="0" smtClean="0"/>
+              <a:rPr lang="en-US" altLang="ko-KR" sz="1400" dirty="0"/>
               <a:t> ns</a:t>
             </a:r>
             <a:endParaRPr lang="ko-KR" altLang="en-US" sz="1400" dirty="0"/>
@@ -11128,7 +11034,7 @@
           <a:p>
             <a:pPr algn="ctr"/>
             <a:r>
-              <a:rPr lang="en-US" altLang="ko-KR" sz="1400" dirty="0" smtClean="0"/>
+              <a:rPr lang="en-US" altLang="ko-KR" sz="1400" dirty="0"/>
               <a:t>Volume B</a:t>
             </a:r>
             <a:endParaRPr lang="ko-KR" altLang="en-US" sz="1400" dirty="0"/>
@@ -11173,7 +11079,7 @@
           <a:p>
             <a:pPr algn="ctr"/>
             <a:r>
-              <a:rPr lang="en-US" altLang="ko-KR" sz="1400" dirty="0" smtClean="0"/>
+              <a:rPr lang="en-US" altLang="ko-KR" sz="1400" dirty="0"/>
               <a:t>Pod B</a:t>
             </a:r>
             <a:endParaRPr lang="ko-KR" altLang="en-US" sz="1400" dirty="0"/>
@@ -11218,7 +11124,7 @@
           <a:p>
             <a:pPr algn="ctr"/>
             <a:r>
-              <a:rPr lang="en-US" altLang="ko-KR" sz="1400" dirty="0" smtClean="0"/>
+              <a:rPr lang="en-US" altLang="ko-KR" sz="1400" dirty="0"/>
               <a:t>Container A</a:t>
             </a:r>
             <a:endParaRPr lang="ko-KR" altLang="en-US" sz="1400" dirty="0"/>
@@ -11264,11 +11170,7 @@
             <a:pPr algn="ctr"/>
             <a:r>
               <a:rPr lang="en-US" altLang="ko-KR" sz="1400" dirty="0"/>
-              <a:t>n</a:t>
-            </a:r>
-            <a:r>
-              <a:rPr lang="en-US" altLang="ko-KR" sz="1400" dirty="0" smtClean="0"/>
-              <a:t>et ns</a:t>
+              <a:t>net ns</a:t>
             </a:r>
             <a:endParaRPr lang="ko-KR" altLang="en-US" sz="1400" dirty="0"/>
           </a:p>
@@ -11312,11 +11214,11 @@
           <a:p>
             <a:pPr algn="ctr"/>
             <a:r>
-              <a:rPr lang="en-US" altLang="ko-KR" sz="1400" dirty="0" err="1" smtClean="0"/>
+              <a:rPr lang="en-US" altLang="ko-KR" sz="1400" dirty="0" err="1"/>
               <a:t>ipc</a:t>
             </a:r>
             <a:r>
-              <a:rPr lang="en-US" altLang="ko-KR" sz="1400" dirty="0" smtClean="0"/>
+              <a:rPr lang="en-US" altLang="ko-KR" sz="1400" dirty="0"/>
               <a:t> ns</a:t>
             </a:r>
             <a:endParaRPr lang="ko-KR" altLang="en-US" sz="1400" dirty="0"/>
@@ -11415,7 +11317,7 @@
           <a:lstStyle/>
           <a:p>
             <a:r>
-              <a:rPr lang="en-US" altLang="ko-KR" dirty="0" smtClean="0"/>
+              <a:rPr lang="en-US" altLang="ko-KR" dirty="0"/>
               <a:t>Pod Namespace</a:t>
             </a:r>
             <a:endParaRPr lang="ko-KR" altLang="en-US" dirty="0"/>
@@ -11460,8 +11362,8 @@
           <a:p>
             <a:pPr algn="ctr"/>
             <a:r>
-              <a:rPr lang="en-US" altLang="ko-KR" sz="1600" dirty="0" smtClean="0"/>
-              <a:t>Pod Container - pause</a:t>
+              <a:rPr lang="en-US" altLang="ko-KR" sz="1600"/>
+              <a:t>Pause Container</a:t>
             </a:r>
             <a:endParaRPr lang="ko-KR" altLang="en-US" sz="1600" dirty="0"/>
           </a:p>
@@ -11505,11 +11407,11 @@
           <a:p>
             <a:pPr algn="ctr"/>
             <a:r>
-              <a:rPr lang="en-US" altLang="ko-KR" sz="1400" dirty="0" err="1" smtClean="0"/>
+              <a:rPr lang="en-US" altLang="ko-KR" sz="1400" dirty="0" err="1"/>
               <a:t>uts</a:t>
             </a:r>
             <a:r>
-              <a:rPr lang="en-US" altLang="ko-KR" sz="1400" dirty="0" smtClean="0"/>
+              <a:rPr lang="en-US" altLang="ko-KR" sz="1400" dirty="0"/>
               <a:t> ns</a:t>
             </a:r>
             <a:endParaRPr lang="ko-KR" altLang="en-US" sz="1400" dirty="0"/>
@@ -11555,14 +11457,10 @@
             <a:pPr algn="ctr"/>
             <a:r>
               <a:rPr lang="en-US" altLang="ko-KR" sz="1400" dirty="0" err="1"/>
-              <a:t>p</a:t>
+              <a:t>pid</a:t>
             </a:r>
             <a:r>
-              <a:rPr lang="en-US" altLang="ko-KR" sz="1400" dirty="0" err="1" smtClean="0"/>
-              <a:t>id</a:t>
-            </a:r>
-            <a:r>
-              <a:rPr lang="en-US" altLang="ko-KR" sz="1400" dirty="0" smtClean="0"/>
+              <a:rPr lang="en-US" altLang="ko-KR" sz="1400" dirty="0"/>
               <a:t> ns</a:t>
             </a:r>
             <a:endParaRPr lang="ko-KR" altLang="en-US" sz="1400" dirty="0"/>
@@ -11607,11 +11505,11 @@
           <a:p>
             <a:pPr algn="ctr"/>
             <a:r>
-              <a:rPr lang="en-US" altLang="ko-KR" sz="1400" dirty="0" err="1" smtClean="0"/>
+              <a:rPr lang="en-US" altLang="ko-KR" sz="1400" dirty="0" err="1"/>
               <a:t>mnt</a:t>
             </a:r>
             <a:r>
-              <a:rPr lang="en-US" altLang="ko-KR" sz="1400" dirty="0" smtClean="0"/>
+              <a:rPr lang="en-US" altLang="ko-KR" sz="1400" dirty="0"/>
               <a:t> ns</a:t>
             </a:r>
             <a:endParaRPr lang="ko-KR" altLang="en-US" sz="1400" dirty="0"/>
@@ -11662,7 +11560,7 @@
           <a:p>
             <a:pPr algn="ctr"/>
             <a:r>
-              <a:rPr lang="en-US" altLang="ko-KR" sz="1400" dirty="0" smtClean="0"/>
+              <a:rPr lang="en-US" altLang="ko-KR" sz="1400" dirty="0"/>
               <a:t>net ns</a:t>
             </a:r>
             <a:endParaRPr lang="ko-KR" altLang="en-US" sz="1400" dirty="0"/>
@@ -11707,7 +11605,7 @@
           <a:p>
             <a:pPr algn="ctr"/>
             <a:r>
-              <a:rPr lang="en-US" altLang="ko-KR" sz="1400" dirty="0" smtClean="0"/>
+              <a:rPr lang="en-US" altLang="ko-KR" sz="1400" dirty="0"/>
               <a:t>user ns</a:t>
             </a:r>
             <a:endParaRPr lang="ko-KR" altLang="en-US" sz="1400" dirty="0"/>
@@ -11758,11 +11656,11 @@
           <a:p>
             <a:pPr algn="ctr"/>
             <a:r>
-              <a:rPr lang="en-US" altLang="ko-KR" sz="1400" dirty="0" err="1" smtClean="0"/>
+              <a:rPr lang="en-US" altLang="ko-KR" sz="1400" dirty="0" err="1"/>
               <a:t>ipc</a:t>
             </a:r>
             <a:r>
-              <a:rPr lang="en-US" altLang="ko-KR" sz="1400" dirty="0" smtClean="0"/>
+              <a:rPr lang="en-US" altLang="ko-KR" sz="1400" dirty="0"/>
               <a:t> ns</a:t>
             </a:r>
             <a:endParaRPr lang="ko-KR" altLang="en-US" sz="1400" dirty="0"/>
@@ -11807,7 +11705,7 @@
           <a:p>
             <a:pPr algn="ctr"/>
             <a:r>
-              <a:rPr lang="en-US" altLang="ko-KR" sz="1600" dirty="0" smtClean="0"/>
+              <a:rPr lang="en-US" altLang="ko-KR" sz="1600" dirty="0"/>
               <a:t>App Container A</a:t>
             </a:r>
             <a:endParaRPr lang="ko-KR" altLang="en-US" sz="1600" dirty="0"/>
@@ -11852,7 +11750,7 @@
           <a:p>
             <a:pPr algn="ctr"/>
             <a:r>
-              <a:rPr lang="en-US" altLang="ko-KR" sz="1600" dirty="0" smtClean="0"/>
+              <a:rPr lang="en-US" altLang="ko-KR" sz="1600" dirty="0"/>
               <a:t>App Container B</a:t>
             </a:r>
             <a:endParaRPr lang="ko-KR" altLang="en-US" sz="1600" dirty="0"/>
@@ -11897,11 +11795,11 @@
           <a:p>
             <a:pPr algn="ctr"/>
             <a:r>
-              <a:rPr lang="en-US" altLang="ko-KR" sz="1400" dirty="0" err="1" smtClean="0"/>
+              <a:rPr lang="en-US" altLang="ko-KR" sz="1400" dirty="0" err="1"/>
               <a:t>uts</a:t>
             </a:r>
             <a:r>
-              <a:rPr lang="en-US" altLang="ko-KR" sz="1400" dirty="0" smtClean="0"/>
+              <a:rPr lang="en-US" altLang="ko-KR" sz="1400" dirty="0"/>
               <a:t> ns</a:t>
             </a:r>
             <a:endParaRPr lang="ko-KR" altLang="en-US" sz="1400" dirty="0"/>
@@ -11947,14 +11845,10 @@
             <a:pPr algn="ctr"/>
             <a:r>
               <a:rPr lang="en-US" altLang="ko-KR" sz="1400" dirty="0" err="1"/>
-              <a:t>p</a:t>
+              <a:t>pid</a:t>
             </a:r>
             <a:r>
-              <a:rPr lang="en-US" altLang="ko-KR" sz="1400" dirty="0" err="1" smtClean="0"/>
-              <a:t>id</a:t>
-            </a:r>
-            <a:r>
-              <a:rPr lang="en-US" altLang="ko-KR" sz="1400" dirty="0" smtClean="0"/>
+              <a:rPr lang="en-US" altLang="ko-KR" sz="1400" dirty="0"/>
               <a:t> ns</a:t>
             </a:r>
             <a:endParaRPr lang="ko-KR" altLang="en-US" sz="1400" dirty="0"/>
@@ -11999,11 +11893,11 @@
           <a:p>
             <a:pPr algn="ctr"/>
             <a:r>
-              <a:rPr lang="en-US" altLang="ko-KR" sz="1400" dirty="0" err="1" smtClean="0"/>
+              <a:rPr lang="en-US" altLang="ko-KR" sz="1400" dirty="0" err="1"/>
               <a:t>mnt</a:t>
             </a:r>
             <a:r>
-              <a:rPr lang="en-US" altLang="ko-KR" sz="1400" dirty="0" smtClean="0"/>
+              <a:rPr lang="en-US" altLang="ko-KR" sz="1400" dirty="0"/>
               <a:t> ns</a:t>
             </a:r>
             <a:endParaRPr lang="ko-KR" altLang="en-US" sz="1400" dirty="0"/>
@@ -12048,7 +11942,7 @@
           <a:p>
             <a:pPr algn="ctr"/>
             <a:r>
-              <a:rPr lang="en-US" altLang="ko-KR" sz="1400" dirty="0" smtClean="0"/>
+              <a:rPr lang="en-US" altLang="ko-KR" sz="1400" dirty="0"/>
               <a:t>user ns</a:t>
             </a:r>
             <a:endParaRPr lang="ko-KR" altLang="en-US" sz="1400" dirty="0"/>
@@ -12093,11 +11987,11 @@
           <a:p>
             <a:pPr algn="ctr"/>
             <a:r>
-              <a:rPr lang="en-US" altLang="ko-KR" sz="1400" dirty="0" err="1" smtClean="0"/>
+              <a:rPr lang="en-US" altLang="ko-KR" sz="1400" dirty="0" err="1"/>
               <a:t>uts</a:t>
             </a:r>
             <a:r>
-              <a:rPr lang="en-US" altLang="ko-KR" sz="1400" dirty="0" smtClean="0"/>
+              <a:rPr lang="en-US" altLang="ko-KR" sz="1400" dirty="0"/>
               <a:t> ns</a:t>
             </a:r>
             <a:endParaRPr lang="ko-KR" altLang="en-US" sz="1400" dirty="0"/>
@@ -12143,14 +12037,10 @@
             <a:pPr algn="ctr"/>
             <a:r>
               <a:rPr lang="en-US" altLang="ko-KR" sz="1400" dirty="0" err="1"/>
-              <a:t>p</a:t>
+              <a:t>pid</a:t>
             </a:r>
             <a:r>
-              <a:rPr lang="en-US" altLang="ko-KR" sz="1400" dirty="0" err="1" smtClean="0"/>
-              <a:t>id</a:t>
-            </a:r>
-            <a:r>
-              <a:rPr lang="en-US" altLang="ko-KR" sz="1400" dirty="0" smtClean="0"/>
+              <a:rPr lang="en-US" altLang="ko-KR" sz="1400" dirty="0"/>
               <a:t> ns</a:t>
             </a:r>
             <a:endParaRPr lang="ko-KR" altLang="en-US" sz="1400" dirty="0"/>
@@ -12195,11 +12085,11 @@
           <a:p>
             <a:pPr algn="ctr"/>
             <a:r>
-              <a:rPr lang="en-US" altLang="ko-KR" sz="1400" dirty="0" err="1" smtClean="0"/>
+              <a:rPr lang="en-US" altLang="ko-KR" sz="1400" dirty="0" err="1"/>
               <a:t>mnt</a:t>
             </a:r>
             <a:r>
-              <a:rPr lang="en-US" altLang="ko-KR" sz="1400" dirty="0" smtClean="0"/>
+              <a:rPr lang="en-US" altLang="ko-KR" sz="1400" dirty="0"/>
               <a:t> ns</a:t>
             </a:r>
             <a:endParaRPr lang="ko-KR" altLang="en-US" sz="1400" dirty="0"/>
@@ -12244,7 +12134,7 @@
           <a:p>
             <a:pPr algn="ctr"/>
             <a:r>
-              <a:rPr lang="en-US" altLang="ko-KR" sz="1400" dirty="0" smtClean="0"/>
+              <a:rPr lang="en-US" altLang="ko-KR" sz="1400" dirty="0"/>
               <a:t>user ns</a:t>
             </a:r>
             <a:endParaRPr lang="ko-KR" altLang="en-US" sz="1400" dirty="0"/>
@@ -12468,11 +12358,11 @@
           <a:lstStyle/>
           <a:p>
             <a:r>
-              <a:rPr lang="en-US" altLang="ko-KR" dirty="0" smtClean="0"/>
+              <a:rPr lang="en-US" altLang="ko-KR" dirty="0"/>
               <a:t>Pod </a:t>
             </a:r>
             <a:r>
-              <a:rPr lang="en-US" altLang="ko-KR" dirty="0" err="1" smtClean="0"/>
+              <a:rPr lang="en-US" altLang="ko-KR" dirty="0" err="1"/>
               <a:t>Cgroup</a:t>
             </a:r>
             <a:endParaRPr lang="ko-KR" altLang="en-US" dirty="0"/>
@@ -12486,7 +12376,7 @@
           <p:nvPr>
             <p:extLst>
               <p:ext uri="{D42A27DB-BD31-4B8C-83A1-F6EECF244321}">
-                <p14:modId xmlns:p14="http://schemas.microsoft.com/office/powerpoint/2010/main" val="2291353160"/>
+                <p14:modId xmlns:p14="http://schemas.microsoft.com/office/powerpoint/2010/main" val="2152258364"/>
               </p:ext>
             </p:extLst>
           </p:nvPr>

--- a/images/theory_analysis/Kubernetes_Pod/Kubernetes_Pod.pptx
+++ b/images/theory_analysis/Kubernetes_Pod/Kubernetes_Pod.pptx
@@ -1090,8 +1090,8 @@
         <a:p>
           <a:pPr latinLnBrk="1"/>
           <a:r>
-            <a:rPr lang="en-US" altLang="ko-KR" sz="1200" dirty="0" err="1"/>
-            <a:t>kubepod</a:t>
+            <a:rPr lang="en-US" altLang="ko-KR" sz="1200"/>
+            <a:t>kubepods</a:t>
           </a:r>
           <a:endParaRPr lang="ko-KR" altLang="en-US" sz="1200" dirty="0"/>
         </a:p>
@@ -1456,8 +1456,8 @@
         <a:p>
           <a:pPr latinLnBrk="1"/>
           <a:r>
-            <a:rPr lang="en-US" altLang="ko-KR" sz="1200" dirty="0"/>
-            <a:t>Memory</a:t>
+            <a:rPr lang="en-US" altLang="ko-KR" sz="1200"/>
+            <a:t>memory</a:t>
           </a:r>
           <a:endParaRPr lang="ko-KR" altLang="en-US" sz="1200" dirty="0"/>
         </a:p>
@@ -1496,8 +1496,8 @@
         <a:p>
           <a:pPr latinLnBrk="1"/>
           <a:r>
-            <a:rPr lang="en-US" altLang="ko-KR" sz="1200" dirty="0" err="1"/>
-            <a:t>Kubepod</a:t>
+            <a:rPr lang="en-US" altLang="ko-KR" sz="1200"/>
+            <a:t>kubepods</a:t>
           </a:r>
           <a:endParaRPr lang="ko-KR" altLang="en-US" sz="1200" dirty="0"/>
         </a:p>
@@ -3576,8 +3576,8 @@
             <a:buNone/>
           </a:pPr>
           <a:r>
-            <a:rPr lang="en-US" altLang="ko-KR" sz="1200" kern="1200" dirty="0" err="1"/>
-            <a:t>kubepod</a:t>
+            <a:rPr lang="en-US" altLang="ko-KR" sz="1200" kern="1200"/>
+            <a:t>kubepods</a:t>
           </a:r>
           <a:endParaRPr lang="ko-KR" altLang="en-US" sz="1200" kern="1200" dirty="0"/>
         </a:p>
@@ -4591,8 +4591,8 @@
             <a:buNone/>
           </a:pPr>
           <a:r>
-            <a:rPr lang="en-US" altLang="ko-KR" sz="1200" kern="1200" dirty="0"/>
-            <a:t>Memory</a:t>
+            <a:rPr lang="en-US" altLang="ko-KR" sz="1200" kern="1200"/>
+            <a:t>memory</a:t>
           </a:r>
           <a:endParaRPr lang="ko-KR" altLang="en-US" sz="1200" kern="1200" dirty="0"/>
         </a:p>
@@ -4670,8 +4670,8 @@
             <a:buNone/>
           </a:pPr>
           <a:r>
-            <a:rPr lang="en-US" altLang="ko-KR" sz="1200" kern="1200" dirty="0" err="1"/>
-            <a:t>Kubepod</a:t>
+            <a:rPr lang="en-US" altLang="ko-KR" sz="1200" kern="1200"/>
+            <a:t>kubepods</a:t>
           </a:r>
           <a:endParaRPr lang="ko-KR" altLang="en-US" sz="1200" kern="1200" dirty="0"/>
         </a:p>
@@ -7143,7 +7143,7 @@
           <a:p>
             <a:fld id="{6CD5550B-26C4-49A9-A5BA-636EF7BE6CE9}" type="datetimeFigureOut">
               <a:rPr lang="ko-KR" altLang="en-US" smtClean="0"/>
-              <a:t>2018-06-08</a:t>
+              <a:t>2018-06-10</a:t>
             </a:fld>
             <a:endParaRPr lang="ko-KR" altLang="en-US"/>
           </a:p>
@@ -7841,7 +7841,7 @@
           <a:p>
             <a:fld id="{FB30EDBD-1C2D-4C1E-B459-B60219FAB484}" type="datetimeFigureOut">
               <a:rPr lang="ko-KR" altLang="en-US" smtClean="0"/>
-              <a:t>2018-06-08</a:t>
+              <a:t>2018-06-10</a:t>
             </a:fld>
             <a:endParaRPr lang="ko-KR" altLang="en-US"/>
           </a:p>
@@ -8004,7 +8004,7 @@
           <a:p>
             <a:fld id="{FB30EDBD-1C2D-4C1E-B459-B60219FAB484}" type="datetimeFigureOut">
               <a:rPr lang="ko-KR" altLang="en-US" smtClean="0"/>
-              <a:t>2018-06-08</a:t>
+              <a:t>2018-06-10</a:t>
             </a:fld>
             <a:endParaRPr lang="ko-KR" altLang="en-US"/>
           </a:p>
@@ -8177,7 +8177,7 @@
           <a:p>
             <a:fld id="{FB30EDBD-1C2D-4C1E-B459-B60219FAB484}" type="datetimeFigureOut">
               <a:rPr lang="ko-KR" altLang="en-US" smtClean="0"/>
-              <a:t>2018-06-08</a:t>
+              <a:t>2018-06-10</a:t>
             </a:fld>
             <a:endParaRPr lang="ko-KR" altLang="en-US"/>
           </a:p>
@@ -8340,7 +8340,7 @@
           <a:p>
             <a:fld id="{FB30EDBD-1C2D-4C1E-B459-B60219FAB484}" type="datetimeFigureOut">
               <a:rPr lang="ko-KR" altLang="en-US" smtClean="0"/>
-              <a:t>2018-06-08</a:t>
+              <a:t>2018-06-10</a:t>
             </a:fld>
             <a:endParaRPr lang="ko-KR" altLang="en-US"/>
           </a:p>
@@ -8580,7 +8580,7 @@
           <a:p>
             <a:fld id="{FB30EDBD-1C2D-4C1E-B459-B60219FAB484}" type="datetimeFigureOut">
               <a:rPr lang="ko-KR" altLang="en-US" smtClean="0"/>
-              <a:t>2018-06-08</a:t>
+              <a:t>2018-06-10</a:t>
             </a:fld>
             <a:endParaRPr lang="ko-KR" altLang="en-US"/>
           </a:p>
@@ -8860,7 +8860,7 @@
           <a:p>
             <a:fld id="{FB30EDBD-1C2D-4C1E-B459-B60219FAB484}" type="datetimeFigureOut">
               <a:rPr lang="ko-KR" altLang="en-US" smtClean="0"/>
-              <a:t>2018-06-08</a:t>
+              <a:t>2018-06-10</a:t>
             </a:fld>
             <a:endParaRPr lang="ko-KR" altLang="en-US"/>
           </a:p>
@@ -9274,7 +9274,7 @@
           <a:p>
             <a:fld id="{FB30EDBD-1C2D-4C1E-B459-B60219FAB484}" type="datetimeFigureOut">
               <a:rPr lang="ko-KR" altLang="en-US" smtClean="0"/>
-              <a:t>2018-06-08</a:t>
+              <a:t>2018-06-10</a:t>
             </a:fld>
             <a:endParaRPr lang="ko-KR" altLang="en-US"/>
           </a:p>
@@ -9386,7 +9386,7 @@
           <a:p>
             <a:fld id="{FB30EDBD-1C2D-4C1E-B459-B60219FAB484}" type="datetimeFigureOut">
               <a:rPr lang="ko-KR" altLang="en-US" smtClean="0"/>
-              <a:t>2018-06-08</a:t>
+              <a:t>2018-06-10</a:t>
             </a:fld>
             <a:endParaRPr lang="ko-KR" altLang="en-US"/>
           </a:p>
@@ -9476,7 +9476,7 @@
           <a:p>
             <a:fld id="{FB30EDBD-1C2D-4C1E-B459-B60219FAB484}" type="datetimeFigureOut">
               <a:rPr lang="ko-KR" altLang="en-US" smtClean="0"/>
-              <a:t>2018-06-08</a:t>
+              <a:t>2018-06-10</a:t>
             </a:fld>
             <a:endParaRPr lang="ko-KR" altLang="en-US"/>
           </a:p>
@@ -9746,7 +9746,7 @@
           <a:p>
             <a:fld id="{FB30EDBD-1C2D-4C1E-B459-B60219FAB484}" type="datetimeFigureOut">
               <a:rPr lang="ko-KR" altLang="en-US" smtClean="0"/>
-              <a:t>2018-06-08</a:t>
+              <a:t>2018-06-10</a:t>
             </a:fld>
             <a:endParaRPr lang="ko-KR" altLang="en-US"/>
           </a:p>
@@ -9993,7 +9993,7 @@
           <a:p>
             <a:fld id="{FB30EDBD-1C2D-4C1E-B459-B60219FAB484}" type="datetimeFigureOut">
               <a:rPr lang="ko-KR" altLang="en-US" smtClean="0"/>
-              <a:t>2018-06-08</a:t>
+              <a:t>2018-06-10</a:t>
             </a:fld>
             <a:endParaRPr lang="ko-KR" altLang="en-US"/>
           </a:p>
@@ -10199,7 +10199,7 @@
           <a:p>
             <a:fld id="{FB30EDBD-1C2D-4C1E-B459-B60219FAB484}" type="datetimeFigureOut">
               <a:rPr lang="ko-KR" altLang="en-US" smtClean="0"/>
-              <a:t>2018-06-08</a:t>
+              <a:t>2018-06-10</a:t>
             </a:fld>
             <a:endParaRPr lang="ko-KR" altLang="en-US"/>
           </a:p>
@@ -12376,7 +12376,7 @@
           <p:nvPr>
             <p:extLst>
               <p:ext uri="{D42A27DB-BD31-4B8C-83A1-F6EECF244321}">
-                <p14:modId xmlns:p14="http://schemas.microsoft.com/office/powerpoint/2010/main" val="2152258364"/>
+                <p14:modId xmlns:p14="http://schemas.microsoft.com/office/powerpoint/2010/main" val="1932817187"/>
               </p:ext>
             </p:extLst>
           </p:nvPr>
